--- a/shiryo/catch/キャッチゲームを作ろう.pptx
+++ b/shiryo/catch/キャッチゲームを作ろう.pptx
@@ -106,6 +106,11 @@
       </a:defRPr>
     </a:lvl9pPr>
   </p:defaultTextStyle>
+  <p:extLst>
+    <p:ext uri="{EFAFB233-063F-42B5-8137-9DF3F51BA10A}">
+      <p15:sldGuideLst xmlns:p15="http://schemas.microsoft.com/office/powerpoint/2012/main"/>
+    </p:ext>
+  </p:extLst>
 </p:presentation>
 </file>
 
@@ -240,7 +245,7 @@
           <a:p>
             <a:fld id="{2BD44FD6-1123-4B6C-91D1-86FAC86FA35A}" type="datetimeFigureOut">
               <a:rPr kumimoji="1" lang="ja-JP" altLang="en-US" smtClean="0"/>
-              <a:t>2024/11/22</a:t>
+              <a:t>2024/11/25</a:t>
             </a:fld>
             <a:endParaRPr kumimoji="1" lang="ja-JP" altLang="en-US"/>
           </a:p>
@@ -442,7 +447,7 @@
           <a:p>
             <a:fld id="{2BD44FD6-1123-4B6C-91D1-86FAC86FA35A}" type="datetimeFigureOut">
               <a:rPr kumimoji="1" lang="ja-JP" altLang="en-US" smtClean="0"/>
-              <a:t>2024/11/22</a:t>
+              <a:t>2024/11/25</a:t>
             </a:fld>
             <a:endParaRPr kumimoji="1" lang="ja-JP" altLang="en-US"/>
           </a:p>
@@ -654,7 +659,7 @@
           <a:p>
             <a:fld id="{2BD44FD6-1123-4B6C-91D1-86FAC86FA35A}" type="datetimeFigureOut">
               <a:rPr kumimoji="1" lang="ja-JP" altLang="en-US" smtClean="0"/>
-              <a:t>2024/11/22</a:t>
+              <a:t>2024/11/25</a:t>
             </a:fld>
             <a:endParaRPr kumimoji="1" lang="ja-JP" altLang="en-US"/>
           </a:p>
@@ -856,7 +861,7 @@
           <a:p>
             <a:fld id="{2BD44FD6-1123-4B6C-91D1-86FAC86FA35A}" type="datetimeFigureOut">
               <a:rPr kumimoji="1" lang="ja-JP" altLang="en-US" smtClean="0"/>
-              <a:t>2024/11/22</a:t>
+              <a:t>2024/11/25</a:t>
             </a:fld>
             <a:endParaRPr kumimoji="1" lang="ja-JP" altLang="en-US"/>
           </a:p>
@@ -1102,7 +1107,7 @@
           <a:p>
             <a:fld id="{2BD44FD6-1123-4B6C-91D1-86FAC86FA35A}" type="datetimeFigureOut">
               <a:rPr kumimoji="1" lang="ja-JP" altLang="en-US" smtClean="0"/>
-              <a:t>2024/11/22</a:t>
+              <a:t>2024/11/25</a:t>
             </a:fld>
             <a:endParaRPr kumimoji="1" lang="ja-JP" altLang="en-US"/>
           </a:p>
@@ -1398,7 +1403,7 @@
           <a:p>
             <a:fld id="{2BD44FD6-1123-4B6C-91D1-86FAC86FA35A}" type="datetimeFigureOut">
               <a:rPr kumimoji="1" lang="ja-JP" altLang="en-US" smtClean="0"/>
-              <a:t>2024/11/22</a:t>
+              <a:t>2024/11/25</a:t>
             </a:fld>
             <a:endParaRPr kumimoji="1" lang="ja-JP" altLang="en-US"/>
           </a:p>
@@ -1829,7 +1834,7 @@
           <a:p>
             <a:fld id="{2BD44FD6-1123-4B6C-91D1-86FAC86FA35A}" type="datetimeFigureOut">
               <a:rPr kumimoji="1" lang="ja-JP" altLang="en-US" smtClean="0"/>
-              <a:t>2024/11/22</a:t>
+              <a:t>2024/11/25</a:t>
             </a:fld>
             <a:endParaRPr kumimoji="1" lang="ja-JP" altLang="en-US"/>
           </a:p>
@@ -1947,7 +1952,7 @@
           <a:p>
             <a:fld id="{2BD44FD6-1123-4B6C-91D1-86FAC86FA35A}" type="datetimeFigureOut">
               <a:rPr kumimoji="1" lang="ja-JP" altLang="en-US" smtClean="0"/>
-              <a:t>2024/11/22</a:t>
+              <a:t>2024/11/25</a:t>
             </a:fld>
             <a:endParaRPr kumimoji="1" lang="ja-JP" altLang="en-US"/>
           </a:p>
@@ -2042,7 +2047,7 @@
           <a:p>
             <a:fld id="{2BD44FD6-1123-4B6C-91D1-86FAC86FA35A}" type="datetimeFigureOut">
               <a:rPr kumimoji="1" lang="ja-JP" altLang="en-US" smtClean="0"/>
-              <a:t>2024/11/22</a:t>
+              <a:t>2024/11/25</a:t>
             </a:fld>
             <a:endParaRPr kumimoji="1" lang="ja-JP" altLang="en-US"/>
           </a:p>
@@ -2351,7 +2356,7 @@
           <a:p>
             <a:fld id="{2BD44FD6-1123-4B6C-91D1-86FAC86FA35A}" type="datetimeFigureOut">
               <a:rPr kumimoji="1" lang="ja-JP" altLang="en-US" smtClean="0"/>
-              <a:t>2024/11/22</a:t>
+              <a:t>2024/11/25</a:t>
             </a:fld>
             <a:endParaRPr kumimoji="1" lang="ja-JP" altLang="en-US"/>
           </a:p>
@@ -2608,7 +2613,7 @@
           <a:p>
             <a:fld id="{2BD44FD6-1123-4B6C-91D1-86FAC86FA35A}" type="datetimeFigureOut">
               <a:rPr kumimoji="1" lang="ja-JP" altLang="en-US" smtClean="0"/>
-              <a:t>2024/11/22</a:t>
+              <a:t>2024/11/25</a:t>
             </a:fld>
             <a:endParaRPr kumimoji="1" lang="ja-JP" altLang="en-US"/>
           </a:p>
@@ -2853,7 +2858,7 @@
           <a:p>
             <a:fld id="{2BD44FD6-1123-4B6C-91D1-86FAC86FA35A}" type="datetimeFigureOut">
               <a:rPr kumimoji="1" lang="ja-JP" altLang="en-US" smtClean="0"/>
-              <a:t>2024/11/22</a:t>
+              <a:t>2024/11/25</a:t>
             </a:fld>
             <a:endParaRPr kumimoji="1" lang="ja-JP" altLang="en-US"/>
           </a:p>

--- a/shiryo/catch/キャッチゲームを作ろう.pptx
+++ b/shiryo/catch/キャッチゲームを作ろう.pptx
@@ -245,7 +245,7 @@
           <a:p>
             <a:fld id="{2BD44FD6-1123-4B6C-91D1-86FAC86FA35A}" type="datetimeFigureOut">
               <a:rPr kumimoji="1" lang="ja-JP" altLang="en-US" smtClean="0"/>
-              <a:t>2024/11/25</a:t>
+              <a:t>2024/11/27</a:t>
             </a:fld>
             <a:endParaRPr kumimoji="1" lang="ja-JP" altLang="en-US"/>
           </a:p>
@@ -447,7 +447,7 @@
           <a:p>
             <a:fld id="{2BD44FD6-1123-4B6C-91D1-86FAC86FA35A}" type="datetimeFigureOut">
               <a:rPr kumimoji="1" lang="ja-JP" altLang="en-US" smtClean="0"/>
-              <a:t>2024/11/25</a:t>
+              <a:t>2024/11/27</a:t>
             </a:fld>
             <a:endParaRPr kumimoji="1" lang="ja-JP" altLang="en-US"/>
           </a:p>
@@ -659,7 +659,7 @@
           <a:p>
             <a:fld id="{2BD44FD6-1123-4B6C-91D1-86FAC86FA35A}" type="datetimeFigureOut">
               <a:rPr kumimoji="1" lang="ja-JP" altLang="en-US" smtClean="0"/>
-              <a:t>2024/11/25</a:t>
+              <a:t>2024/11/27</a:t>
             </a:fld>
             <a:endParaRPr kumimoji="1" lang="ja-JP" altLang="en-US"/>
           </a:p>
@@ -861,7 +861,7 @@
           <a:p>
             <a:fld id="{2BD44FD6-1123-4B6C-91D1-86FAC86FA35A}" type="datetimeFigureOut">
               <a:rPr kumimoji="1" lang="ja-JP" altLang="en-US" smtClean="0"/>
-              <a:t>2024/11/25</a:t>
+              <a:t>2024/11/27</a:t>
             </a:fld>
             <a:endParaRPr kumimoji="1" lang="ja-JP" altLang="en-US"/>
           </a:p>
@@ -1107,7 +1107,7 @@
           <a:p>
             <a:fld id="{2BD44FD6-1123-4B6C-91D1-86FAC86FA35A}" type="datetimeFigureOut">
               <a:rPr kumimoji="1" lang="ja-JP" altLang="en-US" smtClean="0"/>
-              <a:t>2024/11/25</a:t>
+              <a:t>2024/11/27</a:t>
             </a:fld>
             <a:endParaRPr kumimoji="1" lang="ja-JP" altLang="en-US"/>
           </a:p>
@@ -1403,7 +1403,7 @@
           <a:p>
             <a:fld id="{2BD44FD6-1123-4B6C-91D1-86FAC86FA35A}" type="datetimeFigureOut">
               <a:rPr kumimoji="1" lang="ja-JP" altLang="en-US" smtClean="0"/>
-              <a:t>2024/11/25</a:t>
+              <a:t>2024/11/27</a:t>
             </a:fld>
             <a:endParaRPr kumimoji="1" lang="ja-JP" altLang="en-US"/>
           </a:p>
@@ -1834,7 +1834,7 @@
           <a:p>
             <a:fld id="{2BD44FD6-1123-4B6C-91D1-86FAC86FA35A}" type="datetimeFigureOut">
               <a:rPr kumimoji="1" lang="ja-JP" altLang="en-US" smtClean="0"/>
-              <a:t>2024/11/25</a:t>
+              <a:t>2024/11/27</a:t>
             </a:fld>
             <a:endParaRPr kumimoji="1" lang="ja-JP" altLang="en-US"/>
           </a:p>
@@ -1952,7 +1952,7 @@
           <a:p>
             <a:fld id="{2BD44FD6-1123-4B6C-91D1-86FAC86FA35A}" type="datetimeFigureOut">
               <a:rPr kumimoji="1" lang="ja-JP" altLang="en-US" smtClean="0"/>
-              <a:t>2024/11/25</a:t>
+              <a:t>2024/11/27</a:t>
             </a:fld>
             <a:endParaRPr kumimoji="1" lang="ja-JP" altLang="en-US"/>
           </a:p>
@@ -2047,7 +2047,7 @@
           <a:p>
             <a:fld id="{2BD44FD6-1123-4B6C-91D1-86FAC86FA35A}" type="datetimeFigureOut">
               <a:rPr kumimoji="1" lang="ja-JP" altLang="en-US" smtClean="0"/>
-              <a:t>2024/11/25</a:t>
+              <a:t>2024/11/27</a:t>
             </a:fld>
             <a:endParaRPr kumimoji="1" lang="ja-JP" altLang="en-US"/>
           </a:p>
@@ -2356,7 +2356,7 @@
           <a:p>
             <a:fld id="{2BD44FD6-1123-4B6C-91D1-86FAC86FA35A}" type="datetimeFigureOut">
               <a:rPr kumimoji="1" lang="ja-JP" altLang="en-US" smtClean="0"/>
-              <a:t>2024/11/25</a:t>
+              <a:t>2024/11/27</a:t>
             </a:fld>
             <a:endParaRPr kumimoji="1" lang="ja-JP" altLang="en-US"/>
           </a:p>
@@ -2613,7 +2613,7 @@
           <a:p>
             <a:fld id="{2BD44FD6-1123-4B6C-91D1-86FAC86FA35A}" type="datetimeFigureOut">
               <a:rPr kumimoji="1" lang="ja-JP" altLang="en-US" smtClean="0"/>
-              <a:t>2024/11/25</a:t>
+              <a:t>2024/11/27</a:t>
             </a:fld>
             <a:endParaRPr kumimoji="1" lang="ja-JP" altLang="en-US"/>
           </a:p>
@@ -2858,7 +2858,7 @@
           <a:p>
             <a:fld id="{2BD44FD6-1123-4B6C-91D1-86FAC86FA35A}" type="datetimeFigureOut">
               <a:rPr kumimoji="1" lang="ja-JP" altLang="en-US" smtClean="0"/>
-              <a:t>2024/11/25</a:t>
+              <a:t>2024/11/27</a:t>
             </a:fld>
             <a:endParaRPr kumimoji="1" lang="ja-JP" altLang="en-US"/>
           </a:p>
@@ -3281,7 +3281,7 @@
         </p:nvSpPr>
         <p:spPr>
           <a:xfrm>
-            <a:off x="514350" y="206728"/>
+            <a:off x="514349" y="162975"/>
             <a:ext cx="5829300" cy="536222"/>
           </a:xfrm>
         </p:spPr>
@@ -3316,7 +3316,7 @@
         </p:nvSpPr>
         <p:spPr>
           <a:xfrm>
-            <a:off x="166687" y="742950"/>
+            <a:off x="166687" y="644979"/>
             <a:ext cx="6524625" cy="9163050"/>
           </a:xfrm>
         </p:spPr>
@@ -3358,7 +3358,7 @@
             </a:pPr>
             <a:r>
               <a:rPr lang="ja-JP" altLang="en-US" sz="800" dirty="0"/>
-              <a:t>フルーツをキャッチ成功するとスコアが</a:t>
+              <a:t>フルーツがドッティに触れるとスコアが</a:t>
             </a:r>
             <a:r>
               <a:rPr lang="en-US" altLang="ja-JP" sz="800" dirty="0"/>
@@ -3377,7 +3377,66 @@
             </a:pPr>
             <a:r>
               <a:rPr lang="ja-JP" altLang="en-US" sz="800" dirty="0"/>
-              <a:t>フルーツをキャッチ失敗して、画面外の下に移動したタイミングでゲーム終了です。</a:t>
+              <a:t>フルーツの種類は</a:t>
+            </a:r>
+            <a:r>
+              <a:rPr lang="en-US" altLang="ja-JP" sz="800" dirty="0"/>
+              <a:t>0~9</a:t>
+            </a:r>
+            <a:r>
+              <a:rPr lang="ja-JP" altLang="en-US" sz="800" dirty="0"/>
+              <a:t>、</a:t>
+            </a:r>
+            <a:r>
+              <a:rPr lang="en-US" altLang="ja-JP" sz="800" dirty="0"/>
+              <a:t>10~19</a:t>
+            </a:r>
+            <a:r>
+              <a:rPr lang="ja-JP" altLang="en-US" sz="800" dirty="0"/>
+              <a:t>、</a:t>
+            </a:r>
+            <a:r>
+              <a:rPr lang="en-US" altLang="ja-JP" sz="800" dirty="0"/>
+              <a:t>20~19</a:t>
+            </a:r>
+            <a:r>
+              <a:rPr lang="ja-JP" altLang="en-US" sz="800" dirty="0"/>
+              <a:t>、</a:t>
+            </a:r>
+            <a:r>
+              <a:rPr lang="en-US" altLang="ja-JP" sz="800" dirty="0"/>
+              <a:t>30~39</a:t>
+            </a:r>
+            <a:r>
+              <a:rPr lang="ja-JP" altLang="en-US" sz="800" dirty="0"/>
+              <a:t>、</a:t>
+            </a:r>
+            <a:r>
+              <a:rPr lang="en-US" altLang="ja-JP" sz="800" dirty="0"/>
+              <a:t>40~49</a:t>
+            </a:r>
+            <a:r>
+              <a:rPr lang="ja-JP" altLang="en-US" sz="800" dirty="0"/>
+              <a:t>、</a:t>
+            </a:r>
+            <a:r>
+              <a:rPr lang="en-US" altLang="ja-JP" sz="800" dirty="0"/>
+              <a:t>50~</a:t>
+            </a:r>
+            <a:r>
+              <a:rPr lang="ja-JP" altLang="en-US" sz="800" dirty="0"/>
+              <a:t>、のタイミングで変化します。</a:t>
+            </a:r>
+            <a:endParaRPr lang="en-US" altLang="ja-JP" sz="800" dirty="0"/>
+          </a:p>
+          <a:p>
+            <a:pPr marL="571500" lvl="1" indent="-228600" algn="l">
+              <a:buFont typeface="Arial" panose="020B0604020202020204" pitchFamily="34" charset="0"/>
+              <a:buChar char="•"/>
+            </a:pPr>
+            <a:r>
+              <a:rPr lang="ja-JP" altLang="en-US" sz="800" dirty="0"/>
+              <a:t>フルーツが画面外の下に移動したタイミングでゲーム終了です。</a:t>
             </a:r>
             <a:endParaRPr lang="en-US" altLang="ja-JP" sz="800" dirty="0"/>
           </a:p>
@@ -3997,7 +4056,7 @@
         </p:blipFill>
         <p:spPr>
           <a:xfrm>
-            <a:off x="845661" y="2623489"/>
+            <a:off x="845661" y="2725190"/>
             <a:ext cx="639741" cy="447371"/>
           </a:xfrm>
           <a:prstGeom prst="rect">
@@ -4027,7 +4086,7 @@
         </p:blipFill>
         <p:spPr>
           <a:xfrm>
-            <a:off x="845661" y="3353684"/>
+            <a:off x="845661" y="3407099"/>
             <a:ext cx="1188879" cy="135100"/>
           </a:xfrm>
           <a:prstGeom prst="rect">
@@ -4057,7 +4116,7 @@
         </p:blipFill>
         <p:spPr>
           <a:xfrm>
-            <a:off x="845661" y="3711393"/>
+            <a:off x="845661" y="3790953"/>
             <a:ext cx="2408079" cy="142946"/>
           </a:xfrm>
           <a:prstGeom prst="rect">
@@ -4087,7 +4146,7 @@
         </p:blipFill>
         <p:spPr>
           <a:xfrm>
-            <a:off x="845661" y="4102950"/>
+            <a:off x="845661" y="4170570"/>
             <a:ext cx="2042319" cy="117375"/>
           </a:xfrm>
           <a:prstGeom prst="rect">
@@ -4117,7 +4176,7 @@
         </p:blipFill>
         <p:spPr>
           <a:xfrm>
-            <a:off x="845661" y="4497965"/>
+            <a:off x="845661" y="4573023"/>
             <a:ext cx="1882299" cy="127026"/>
           </a:xfrm>
           <a:prstGeom prst="rect">
@@ -4147,7 +4206,7 @@
         </p:blipFill>
         <p:spPr>
           <a:xfrm>
-            <a:off x="845661" y="4865292"/>
+            <a:off x="845661" y="4930802"/>
             <a:ext cx="1394630" cy="245150"/>
           </a:xfrm>
           <a:prstGeom prst="rect">
@@ -4177,7 +4236,7 @@
         </p:blipFill>
         <p:spPr>
           <a:xfrm>
-            <a:off x="845661" y="5350744"/>
+            <a:off x="845661" y="5416323"/>
             <a:ext cx="1427533" cy="127026"/>
           </a:xfrm>
           <a:prstGeom prst="rect">
@@ -4207,7 +4266,7 @@
         </p:blipFill>
         <p:spPr>
           <a:xfrm>
-            <a:off x="845661" y="5718072"/>
+            <a:off x="845661" y="5792266"/>
             <a:ext cx="2103279" cy="258600"/>
           </a:xfrm>
           <a:prstGeom prst="rect">
@@ -4237,7 +4296,7 @@
         </p:blipFill>
         <p:spPr>
           <a:xfrm>
-            <a:off x="603250" y="7023750"/>
+            <a:off x="845661" y="7079873"/>
             <a:ext cx="3141662" cy="2366316"/>
           </a:xfrm>
           <a:prstGeom prst="rect">

--- a/shiryo/catch/キャッチゲームを作ろう.pptx
+++ b/shiryo/catch/キャッチゲームを作ろう.pptx
@@ -3546,6 +3546,9 @@
             </a:r>
             <a:r>
               <a:rPr lang="en-US" altLang="ja-JP" sz="800" kern="100" dirty="0">
+                <a:solidFill>
+                  <a:srgbClr val="FF0000"/>
+                </a:solidFill>
                 <a:effectLst/>
                 <a:latin typeface="游明朝" panose="02020400000000000000" pitchFamily="18" charset="-128"/>
                 <a:ea typeface="游明朝" panose="02020400000000000000" pitchFamily="18" charset="-128"/>
@@ -3555,49 +3558,107 @@
             </a:r>
             <a:r>
               <a:rPr lang="ja-JP" altLang="ja-JP" sz="800" kern="100" dirty="0">
+                <a:solidFill>
+                  <a:srgbClr val="FF0000"/>
+                </a:solidFill>
                 <a:effectLst/>
                 <a:latin typeface="游明朝" panose="02020400000000000000" pitchFamily="18" charset="-128"/>
                 <a:ea typeface="游明朝" panose="02020400000000000000" pitchFamily="18" charset="-128"/>
                 <a:cs typeface="Times New Roman" panose="02020603050405020304" pitchFamily="18" charset="0"/>
               </a:rPr>
-              <a:t>タグを追加し、中に</a:t>
-            </a:r>
-            <a:r>
+              <a:t>タグ</a:t>
+            </a:r>
+            <a:r>
+              <a:rPr lang="ja-JP" altLang="ja-JP" sz="800" kern="100" dirty="0">
+                <a:effectLst/>
+                <a:latin typeface="游明朝" panose="02020400000000000000" pitchFamily="18" charset="-128"/>
+                <a:ea typeface="游明朝" panose="02020400000000000000" pitchFamily="18" charset="-128"/>
+                <a:cs typeface="Times New Roman" panose="02020603050405020304" pitchFamily="18" charset="0"/>
+              </a:rPr>
+              <a:t>を追加し、中に</a:t>
+            </a:r>
+            <a:r>
+              <a:rPr lang="en-US" altLang="ja-JP" sz="800" kern="100" dirty="0">
+                <a:solidFill>
+                  <a:srgbClr val="FF0000"/>
+                </a:solidFill>
+                <a:effectLst/>
+                <a:latin typeface="游明朝" panose="02020400000000000000" pitchFamily="18" charset="-128"/>
+                <a:ea typeface="游明朝" panose="02020400000000000000" pitchFamily="18" charset="-128"/>
+                <a:cs typeface="Times New Roman" panose="02020603050405020304" pitchFamily="18" charset="0"/>
+              </a:rPr>
+              <a:t>head</a:t>
+            </a:r>
+            <a:r>
+              <a:rPr lang="ja-JP" altLang="ja-JP" sz="800" kern="100" dirty="0">
+                <a:solidFill>
+                  <a:srgbClr val="FF0000"/>
+                </a:solidFill>
+                <a:effectLst/>
+                <a:latin typeface="游明朝" panose="02020400000000000000" pitchFamily="18" charset="-128"/>
+                <a:ea typeface="游明朝" panose="02020400000000000000" pitchFamily="18" charset="-128"/>
+                <a:cs typeface="Times New Roman" panose="02020603050405020304" pitchFamily="18" charset="0"/>
+              </a:rPr>
+              <a:t>タグ</a:t>
+            </a:r>
+            <a:r>
+              <a:rPr lang="ja-JP" altLang="ja-JP" sz="800" kern="100" dirty="0">
+                <a:effectLst/>
+                <a:latin typeface="游明朝" panose="02020400000000000000" pitchFamily="18" charset="-128"/>
+                <a:ea typeface="游明朝" panose="02020400000000000000" pitchFamily="18" charset="-128"/>
+                <a:cs typeface="Times New Roman" panose="02020603050405020304" pitchFamily="18" charset="0"/>
+              </a:rPr>
+              <a:t>と</a:t>
+            </a:r>
+            <a:r>
+              <a:rPr lang="en-US" altLang="ja-JP" sz="800" kern="100" dirty="0">
+                <a:solidFill>
+                  <a:srgbClr val="FF0000"/>
+                </a:solidFill>
+                <a:effectLst/>
+                <a:latin typeface="游明朝" panose="02020400000000000000" pitchFamily="18" charset="-128"/>
+                <a:ea typeface="游明朝" panose="02020400000000000000" pitchFamily="18" charset="-128"/>
+                <a:cs typeface="Times New Roman" panose="02020603050405020304" pitchFamily="18" charset="0"/>
+              </a:rPr>
+              <a:t>body</a:t>
+            </a:r>
+            <a:r>
+              <a:rPr lang="ja-JP" altLang="ja-JP" sz="800" kern="100" dirty="0">
+                <a:solidFill>
+                  <a:srgbClr val="FF0000"/>
+                </a:solidFill>
+                <a:effectLst/>
+                <a:latin typeface="游明朝" panose="02020400000000000000" pitchFamily="18" charset="-128"/>
+                <a:ea typeface="游明朝" panose="02020400000000000000" pitchFamily="18" charset="-128"/>
+                <a:cs typeface="Times New Roman" panose="02020603050405020304" pitchFamily="18" charset="0"/>
+              </a:rPr>
+              <a:t>タグ</a:t>
+            </a:r>
+            <a:r>
+              <a:rPr lang="ja-JP" altLang="ja-JP" sz="800" kern="100" dirty="0">
+                <a:effectLst/>
+                <a:latin typeface="游明朝" panose="02020400000000000000" pitchFamily="18" charset="-128"/>
+                <a:ea typeface="游明朝" panose="02020400000000000000" pitchFamily="18" charset="-128"/>
+                <a:cs typeface="Times New Roman" panose="02020603050405020304" pitchFamily="18" charset="0"/>
+              </a:rPr>
+              <a:t>を追加してください。</a:t>
+            </a:r>
+            <a:br>
               <a:rPr lang="en-US" altLang="ja-JP" sz="800" kern="100" dirty="0">
                 <a:effectLst/>
                 <a:latin typeface="游明朝" panose="02020400000000000000" pitchFamily="18" charset="-128"/>
                 <a:ea typeface="游明朝" panose="02020400000000000000" pitchFamily="18" charset="-128"/>
                 <a:cs typeface="Times New Roman" panose="02020603050405020304" pitchFamily="18" charset="0"/>
               </a:rPr>
-              <a:t>head</a:t>
-            </a:r>
-            <a:r>
-              <a:rPr lang="ja-JP" altLang="ja-JP" sz="800" kern="100" dirty="0">
-                <a:effectLst/>
-                <a:latin typeface="游明朝" panose="02020400000000000000" pitchFamily="18" charset="-128"/>
-                <a:ea typeface="游明朝" panose="02020400000000000000" pitchFamily="18" charset="-128"/>
-                <a:cs typeface="Times New Roman" panose="02020603050405020304" pitchFamily="18" charset="0"/>
-              </a:rPr>
-              <a:t>タグと</a:t>
-            </a:r>
-            <a:r>
+            </a:br>
+            <a:br>
               <a:rPr lang="en-US" altLang="ja-JP" sz="800" kern="100" dirty="0">
                 <a:effectLst/>
                 <a:latin typeface="游明朝" panose="02020400000000000000" pitchFamily="18" charset="-128"/>
                 <a:ea typeface="游明朝" panose="02020400000000000000" pitchFamily="18" charset="-128"/>
                 <a:cs typeface="Times New Roman" panose="02020603050405020304" pitchFamily="18" charset="0"/>
               </a:rPr>
-              <a:t>body</a:t>
-            </a:r>
-            <a:r>
-              <a:rPr lang="ja-JP" altLang="ja-JP" sz="800" kern="100" dirty="0">
-                <a:effectLst/>
-                <a:latin typeface="游明朝" panose="02020400000000000000" pitchFamily="18" charset="-128"/>
-                <a:ea typeface="游明朝" panose="02020400000000000000" pitchFamily="18" charset="-128"/>
-                <a:cs typeface="Times New Roman" panose="02020603050405020304" pitchFamily="18" charset="0"/>
-              </a:rPr>
-              <a:t>タグを追加してください。</a:t>
-            </a:r>
+            </a:br>
             <a:br>
               <a:rPr lang="en-US" altLang="ja-JP" sz="800" kern="100" dirty="0">
                 <a:effectLst/>
@@ -3622,22 +3683,6 @@
                 <a:cs typeface="Times New Roman" panose="02020603050405020304" pitchFamily="18" charset="0"/>
               </a:rPr>
             </a:br>
-            <a:br>
-              <a:rPr lang="en-US" altLang="ja-JP" sz="800" kern="100" dirty="0">
-                <a:effectLst/>
-                <a:latin typeface="游明朝" panose="02020400000000000000" pitchFamily="18" charset="-128"/>
-                <a:ea typeface="游明朝" panose="02020400000000000000" pitchFamily="18" charset="-128"/>
-                <a:cs typeface="Times New Roman" panose="02020603050405020304" pitchFamily="18" charset="0"/>
-              </a:rPr>
-            </a:br>
-            <a:br>
-              <a:rPr lang="en-US" altLang="ja-JP" sz="800" kern="100" dirty="0">
-                <a:effectLst/>
-                <a:latin typeface="游明朝" panose="02020400000000000000" pitchFamily="18" charset="-128"/>
-                <a:ea typeface="游明朝" panose="02020400000000000000" pitchFamily="18" charset="-128"/>
-                <a:cs typeface="Times New Roman" panose="02020603050405020304" pitchFamily="18" charset="0"/>
-              </a:rPr>
-            </a:br>
             <a:endParaRPr lang="en-US" altLang="ja-JP" sz="800" kern="100" dirty="0">
               <a:effectLst/>
               <a:latin typeface="游明朝" panose="02020400000000000000" pitchFamily="18" charset="-128"/>
@@ -3663,12 +3708,24 @@
               <a:t>タグの中に</a:t>
             </a:r>
             <a:r>
-              <a:rPr lang="en-US" altLang="ja-JP" sz="800" dirty="0"/>
+              <a:rPr lang="en-US" altLang="ja-JP" sz="800" dirty="0">
+                <a:solidFill>
+                  <a:srgbClr val="FF0000"/>
+                </a:solidFill>
+              </a:rPr>
               <a:t>title</a:t>
             </a:r>
             <a:r>
-              <a:rPr lang="ja-JP" altLang="en-US" sz="800" dirty="0"/>
-              <a:t>タグを追加してください。</a:t>
+              <a:rPr lang="ja-JP" altLang="en-US" sz="800" dirty="0">
+                <a:solidFill>
+                  <a:srgbClr val="FF0000"/>
+                </a:solidFill>
+              </a:rPr>
+              <a:t>タグ</a:t>
+            </a:r>
+            <a:r>
+              <a:rPr lang="ja-JP" altLang="en-US" sz="800" dirty="0"/>
+              <a:t>を追加してください。</a:t>
             </a:r>
             <a:br>
               <a:rPr lang="en-US" altLang="ja-JP" sz="800" dirty="0"/>
@@ -3696,12 +3753,24 @@
               <a:t>のコードの下に</a:t>
             </a:r>
             <a:r>
-              <a:rPr lang="en-US" altLang="ja-JP" sz="800" dirty="0"/>
+              <a:rPr lang="en-US" altLang="ja-JP" sz="800" dirty="0">
+                <a:solidFill>
+                  <a:srgbClr val="FF0000"/>
+                </a:solidFill>
+              </a:rPr>
               <a:t>link</a:t>
             </a:r>
             <a:r>
-              <a:rPr lang="ja-JP" altLang="en-US" sz="800" dirty="0"/>
-              <a:t>タグを追加してください。</a:t>
+              <a:rPr lang="ja-JP" altLang="en-US" sz="800" dirty="0">
+                <a:solidFill>
+                  <a:srgbClr val="FF0000"/>
+                </a:solidFill>
+              </a:rPr>
+              <a:t>タグ</a:t>
+            </a:r>
+            <a:r>
+              <a:rPr lang="ja-JP" altLang="en-US" sz="800" dirty="0"/>
+              <a:t>を追加してください。</a:t>
             </a:r>
             <a:br>
               <a:rPr lang="en-US" altLang="ja-JP" sz="800" dirty="0"/>
@@ -3729,12 +3798,24 @@
               <a:t>のコードの下に</a:t>
             </a:r>
             <a:r>
-              <a:rPr lang="en-US" altLang="ja-JP" sz="800" dirty="0"/>
+              <a:rPr lang="en-US" altLang="ja-JP" sz="800" dirty="0">
+                <a:solidFill>
+                  <a:srgbClr val="FF0000"/>
+                </a:solidFill>
+              </a:rPr>
               <a:t>script</a:t>
             </a:r>
             <a:r>
-              <a:rPr lang="ja-JP" altLang="en-US" sz="800" dirty="0"/>
-              <a:t>タグを追加してください。</a:t>
+              <a:rPr lang="ja-JP" altLang="en-US" sz="800" dirty="0">
+                <a:solidFill>
+                  <a:srgbClr val="FF0000"/>
+                </a:solidFill>
+              </a:rPr>
+              <a:t>タグ</a:t>
+            </a:r>
+            <a:r>
+              <a:rPr lang="ja-JP" altLang="en-US" sz="800" dirty="0"/>
+              <a:t>を追加してください。</a:t>
             </a:r>
             <a:br>
               <a:rPr lang="en-US" altLang="ja-JP" sz="800" dirty="0"/>
@@ -3762,12 +3843,24 @@
               <a:t>タグの中に</a:t>
             </a:r>
             <a:r>
-              <a:rPr lang="en-US" altLang="ja-JP" sz="800" dirty="0"/>
+              <a:rPr lang="en-US" altLang="ja-JP" sz="800" dirty="0">
+                <a:solidFill>
+                  <a:srgbClr val="FF0000"/>
+                </a:solidFill>
+              </a:rPr>
               <a:t>h1</a:t>
             </a:r>
             <a:r>
-              <a:rPr lang="ja-JP" altLang="en-US" sz="800" dirty="0"/>
-              <a:t>タグを追加してください。</a:t>
+              <a:rPr lang="ja-JP" altLang="en-US" sz="800" dirty="0">
+                <a:solidFill>
+                  <a:srgbClr val="FF0000"/>
+                </a:solidFill>
+              </a:rPr>
+              <a:t>タグ</a:t>
+            </a:r>
+            <a:r>
+              <a:rPr lang="ja-JP" altLang="en-US" sz="800" dirty="0"/>
+              <a:t>を追加してください。</a:t>
             </a:r>
             <a:br>
               <a:rPr lang="en-US" altLang="ja-JP" sz="800" dirty="0"/>
@@ -3823,12 +3916,24 @@
               <a:t>の中に</a:t>
             </a:r>
             <a:r>
-              <a:rPr lang="en-US" altLang="ja-JP" sz="800" dirty="0"/>
+              <a:rPr lang="en-US" altLang="ja-JP" sz="800" dirty="0">
+                <a:solidFill>
+                  <a:srgbClr val="FF0000"/>
+                </a:solidFill>
+              </a:rPr>
               <a:t>span</a:t>
             </a:r>
             <a:r>
-              <a:rPr lang="ja-JP" altLang="en-US" sz="800" dirty="0"/>
-              <a:t>タグを追加してください。</a:t>
+              <a:rPr lang="ja-JP" altLang="en-US" sz="800" dirty="0">
+                <a:solidFill>
+                  <a:srgbClr val="FF0000"/>
+                </a:solidFill>
+              </a:rPr>
+              <a:t>タグ</a:t>
+            </a:r>
+            <a:r>
+              <a:rPr lang="ja-JP" altLang="en-US" sz="800" dirty="0"/>
+              <a:t>を追加してください。</a:t>
             </a:r>
             <a:br>
               <a:rPr lang="en-US" altLang="ja-JP" sz="800" dirty="0"/>
@@ -3856,12 +3961,24 @@
               <a:t>の中に</a:t>
             </a:r>
             <a:r>
-              <a:rPr lang="en-US" altLang="ja-JP" sz="800" dirty="0"/>
+              <a:rPr lang="en-US" altLang="ja-JP" sz="800" dirty="0">
+                <a:solidFill>
+                  <a:srgbClr val="FF0000"/>
+                </a:solidFill>
+              </a:rPr>
               <a:t>img</a:t>
             </a:r>
             <a:r>
-              <a:rPr lang="ja-JP" altLang="en-US" sz="800" dirty="0"/>
-              <a:t>タグを追加してください。</a:t>
+              <a:rPr lang="ja-JP" altLang="en-US" sz="800" dirty="0">
+                <a:solidFill>
+                  <a:srgbClr val="FF0000"/>
+                </a:solidFill>
+              </a:rPr>
+              <a:t>タグ</a:t>
+            </a:r>
+            <a:r>
+              <a:rPr lang="ja-JP" altLang="en-US" sz="800" dirty="0"/>
+              <a:t>を追加してください。</a:t>
             </a:r>
             <a:br>
               <a:rPr lang="en-US" altLang="ja-JP" sz="800" dirty="0"/>
@@ -4409,7 +4526,27 @@
             </a:pPr>
             <a:r>
               <a:rPr lang="ja-JP" altLang="en-US" sz="800" dirty="0"/>
-              <a:t>メインの処理がロード完了時に実行されるようにします。以下のコードを追加してください。</a:t>
+              <a:t>メインの処理がロード完了時（</a:t>
+            </a:r>
+            <a:r>
+              <a:rPr lang="en-US" altLang="ja-JP" sz="800" dirty="0">
+                <a:solidFill>
+                  <a:srgbClr val="FF0000"/>
+                </a:solidFill>
+              </a:rPr>
+              <a:t>load</a:t>
+            </a:r>
+            <a:r>
+              <a:rPr lang="ja-JP" altLang="en-US" sz="800" dirty="0">
+                <a:solidFill>
+                  <a:srgbClr val="FF0000"/>
+                </a:solidFill>
+              </a:rPr>
+              <a:t>イベント</a:t>
+            </a:r>
+            <a:r>
+              <a:rPr lang="ja-JP" altLang="en-US" sz="800" dirty="0"/>
+              <a:t>）に実行されるようにします。以下のコードを追加してください。</a:t>
             </a:r>
             <a:br>
               <a:rPr lang="en-US" altLang="ja-JP" sz="800" dirty="0"/>
@@ -4444,7 +4581,19 @@
             </a:pPr>
             <a:r>
               <a:rPr lang="ja-JP" altLang="en-US" sz="800" dirty="0"/>
-              <a:t>ランダムな整数を生成する関数を作成します。</a:t>
+              <a:t>ランダムな整数を生成（</a:t>
+            </a:r>
+            <a:r>
+              <a:rPr lang="ja-JP" altLang="en-US" sz="800" dirty="0">
+                <a:solidFill>
+                  <a:srgbClr val="FF0000"/>
+                </a:solidFill>
+              </a:rPr>
+              <a:t>乱数生成</a:t>
+            </a:r>
+            <a:r>
+              <a:rPr lang="ja-JP" altLang="en-US" sz="800" dirty="0"/>
+              <a:t>）する関数を作成します。</a:t>
             </a:r>
             <a:r>
               <a:rPr lang="en-US" altLang="ja-JP" sz="800" dirty="0"/>
@@ -4478,7 +4627,19 @@
             </a:pPr>
             <a:r>
               <a:rPr lang="ja-JP" altLang="en-US" sz="800" dirty="0"/>
-              <a:t>オブジェクトの衝突を判定する関数を作成します。</a:t>
+              <a:t>オブジェクトの</a:t>
+            </a:r>
+            <a:r>
+              <a:rPr lang="ja-JP" altLang="en-US" sz="800" dirty="0">
+                <a:solidFill>
+                  <a:srgbClr val="FF0000"/>
+                </a:solidFill>
+              </a:rPr>
+              <a:t>衝突判定</a:t>
+            </a:r>
+            <a:r>
+              <a:rPr lang="ja-JP" altLang="en-US" sz="800" dirty="0"/>
+              <a:t>を行う関数を作成します。</a:t>
             </a:r>
             <a:r>
               <a:rPr lang="en-US" altLang="ja-JP" sz="800" dirty="0"/>
@@ -4554,7 +4715,19 @@
             </a:pPr>
             <a:r>
               <a:rPr lang="ja-JP" altLang="en-US" sz="800" dirty="0"/>
-              <a:t>必要な変数を宣言します。</a:t>
+              <a:t>必要な</a:t>
+            </a:r>
+            <a:r>
+              <a:rPr lang="ja-JP" altLang="en-US" sz="800" dirty="0">
+                <a:solidFill>
+                  <a:srgbClr val="FF0000"/>
+                </a:solidFill>
+              </a:rPr>
+              <a:t>変数</a:t>
+            </a:r>
+            <a:r>
+              <a:rPr lang="ja-JP" altLang="en-US" sz="800" dirty="0"/>
+              <a:t>を宣言します。</a:t>
             </a:r>
             <a:r>
               <a:rPr lang="en-US" altLang="ja-JP" sz="800" dirty="0"/>
@@ -4588,7 +4761,19 @@
             </a:pPr>
             <a:r>
               <a:rPr lang="ja-JP" altLang="en-US" sz="800" dirty="0"/>
-              <a:t>定数に画像を参照します。</a:t>
+              <a:t>画像を</a:t>
+            </a:r>
+            <a:r>
+              <a:rPr lang="ja-JP" altLang="en-US" sz="800" dirty="0">
+                <a:solidFill>
+                  <a:srgbClr val="FF0000"/>
+                </a:solidFill>
+              </a:rPr>
+              <a:t>定数</a:t>
+            </a:r>
+            <a:r>
+              <a:rPr lang="ja-JP" altLang="en-US" sz="800" dirty="0"/>
+              <a:t>に参照します。</a:t>
             </a:r>
             <a:r>
               <a:rPr lang="en-US" altLang="ja-JP" sz="800" dirty="0"/>
@@ -4619,7 +4804,19 @@
             </a:pPr>
             <a:r>
               <a:rPr lang="ja-JP" altLang="en-US" sz="800" dirty="0"/>
-              <a:t>定数にゲーム画面の幅を代入します。</a:t>
+              <a:t>ゲーム画面（スクリーン）の幅を</a:t>
+            </a:r>
+            <a:r>
+              <a:rPr lang="ja-JP" altLang="en-US" sz="800" dirty="0">
+                <a:solidFill>
+                  <a:srgbClr val="FF0000"/>
+                </a:solidFill>
+              </a:rPr>
+              <a:t>定数</a:t>
+            </a:r>
+            <a:r>
+              <a:rPr lang="ja-JP" altLang="en-US" sz="800" dirty="0"/>
+              <a:t>に代入します。</a:t>
             </a:r>
             <a:r>
               <a:rPr lang="en-US" altLang="ja-JP" sz="800" dirty="0"/>
@@ -4650,7 +4847,19 @@
             </a:pPr>
             <a:r>
               <a:rPr lang="ja-JP" altLang="en-US" sz="800" dirty="0"/>
-              <a:t>スコアを描画する関数を作成します。</a:t>
+              <a:t>スコアを描画する</a:t>
+            </a:r>
+            <a:r>
+              <a:rPr lang="ja-JP" altLang="en-US" sz="800" dirty="0">
+                <a:solidFill>
+                  <a:srgbClr val="FF0000"/>
+                </a:solidFill>
+              </a:rPr>
+              <a:t>関数</a:t>
+            </a:r>
+            <a:r>
+              <a:rPr lang="ja-JP" altLang="en-US" sz="800" dirty="0"/>
+              <a:t>を作成します。</a:t>
             </a:r>
             <a:r>
               <a:rPr lang="en-US" altLang="ja-JP" sz="800" dirty="0"/>
@@ -4684,7 +4893,19 @@
             </a:pPr>
             <a:r>
               <a:rPr lang="ja-JP" altLang="en-US" sz="800" dirty="0"/>
-              <a:t>状態を初期化する関数を作成します。</a:t>
+              <a:t>状態を初期化する</a:t>
+            </a:r>
+            <a:r>
+              <a:rPr lang="ja-JP" altLang="en-US" sz="800" dirty="0">
+                <a:solidFill>
+                  <a:srgbClr val="FF0000"/>
+                </a:solidFill>
+              </a:rPr>
+              <a:t>関数</a:t>
+            </a:r>
+            <a:r>
+              <a:rPr lang="ja-JP" altLang="en-US" sz="800" dirty="0"/>
+              <a:t>を作成します。</a:t>
             </a:r>
             <a:r>
               <a:rPr lang="en-US" altLang="ja-JP" sz="800" dirty="0"/>
@@ -5025,8 +5246,8 @@
         </p:nvSpPr>
         <p:spPr>
           <a:xfrm>
-            <a:off x="471488" y="262467"/>
-            <a:ext cx="5915025" cy="9414933"/>
+            <a:off x="103761" y="245533"/>
+            <a:ext cx="6491591" cy="9414933"/>
           </a:xfrm>
         </p:spPr>
         <p:txBody>
@@ -5059,7 +5280,19 @@
             </a:pPr>
             <a:r>
               <a:rPr lang="ja-JP" altLang="en-US" sz="800" dirty="0"/>
-              <a:t>ループの処理を作成します。以下のコードを</a:t>
+              <a:t>等間隔で</a:t>
+            </a:r>
+            <a:r>
+              <a:rPr lang="ja-JP" altLang="en-US" sz="800" dirty="0">
+                <a:solidFill>
+                  <a:srgbClr val="FF0000"/>
+                </a:solidFill>
+              </a:rPr>
+              <a:t>ループ</a:t>
+            </a:r>
+            <a:r>
+              <a:rPr lang="ja-JP" altLang="en-US" sz="800" dirty="0"/>
+              <a:t>させる処理を作成します。以下のコードを</a:t>
             </a:r>
             <a:r>
               <a:rPr lang="en-US" altLang="ja-JP" sz="800" dirty="0"/>
@@ -5096,7 +5329,19 @@
             </a:pPr>
             <a:r>
               <a:rPr lang="ja-JP" altLang="en-US" sz="800" dirty="0"/>
-              <a:t>プレイ中のみ処理が実行されるようにします。</a:t>
+              <a:t>プレイ中のみ処理が実行（</a:t>
+            </a:r>
+            <a:r>
+              <a:rPr lang="ja-JP" altLang="en-US" sz="800" dirty="0">
+                <a:solidFill>
+                  <a:srgbClr val="FF0000"/>
+                </a:solidFill>
+              </a:rPr>
+              <a:t>条件分岐</a:t>
+            </a:r>
+            <a:r>
+              <a:rPr lang="ja-JP" altLang="en-US" sz="800" dirty="0"/>
+              <a:t>）されるようにします。</a:t>
             </a:r>
             <a:r>
               <a:rPr lang="en-US" altLang="ja-JP" sz="800" dirty="0"/>
@@ -5243,7 +5488,19 @@
             </a:pPr>
             <a:r>
               <a:rPr lang="ja-JP" altLang="en-US" sz="800" dirty="0"/>
-              <a:t>スコアによってフルーツの種類を変える処理を作成します。</a:t>
+              <a:t>スコアによってフルーツの種類を変える処理（</a:t>
+            </a:r>
+            <a:r>
+              <a:rPr lang="ja-JP" altLang="en-US" sz="800" dirty="0">
+                <a:solidFill>
+                  <a:srgbClr val="FF0000"/>
+                </a:solidFill>
+              </a:rPr>
+              <a:t>条件分岐</a:t>
+            </a:r>
+            <a:r>
+              <a:rPr lang="ja-JP" altLang="en-US" sz="800" dirty="0"/>
+              <a:t>）を作成します。</a:t>
             </a:r>
             <a:r>
               <a:rPr lang="en-US" altLang="ja-JP" sz="800" dirty="0"/>
@@ -5316,7 +5573,27 @@
             </a:pPr>
             <a:r>
               <a:rPr lang="ja-JP" altLang="en-US" sz="800" dirty="0"/>
-              <a:t>プレイ開始時の処理を作成します。</a:t>
+              <a:t>プレイ開始時の処理（</a:t>
+            </a:r>
+            <a:r>
+              <a:rPr lang="en-US" altLang="ja-JP" sz="800" dirty="0">
+                <a:solidFill>
+                  <a:srgbClr val="FF0000"/>
+                </a:solidFill>
+              </a:rPr>
+              <a:t>mousedown</a:t>
+            </a:r>
+            <a:r>
+              <a:rPr lang="ja-JP" altLang="en-US" sz="800" dirty="0">
+                <a:solidFill>
+                  <a:srgbClr val="FF0000"/>
+                </a:solidFill>
+              </a:rPr>
+              <a:t>イベント</a:t>
+            </a:r>
+            <a:r>
+              <a:rPr lang="ja-JP" altLang="en-US" sz="800" dirty="0"/>
+              <a:t>）を作成します。</a:t>
             </a:r>
             <a:r>
               <a:rPr lang="en-US" altLang="ja-JP" sz="800" dirty="0"/>
@@ -5368,7 +5645,27 @@
             </a:pPr>
             <a:r>
               <a:rPr lang="ja-JP" altLang="en-US" sz="800" dirty="0"/>
-              <a:t>ドッティを動かす処理を作成します。</a:t>
+              <a:t>ドッティを動かす処理（</a:t>
+            </a:r>
+            <a:r>
+              <a:rPr lang="en-US" altLang="ja-JP" sz="800" dirty="0">
+                <a:solidFill>
+                  <a:srgbClr val="FF0000"/>
+                </a:solidFill>
+              </a:rPr>
+              <a:t>mousemove</a:t>
+            </a:r>
+            <a:r>
+              <a:rPr lang="ja-JP" altLang="en-US" sz="800" dirty="0">
+                <a:solidFill>
+                  <a:srgbClr val="FF0000"/>
+                </a:solidFill>
+              </a:rPr>
+              <a:t>イベント</a:t>
+            </a:r>
+            <a:r>
+              <a:rPr lang="ja-JP" altLang="en-US" sz="800" dirty="0"/>
+              <a:t>）を作成します。</a:t>
             </a:r>
             <a:r>
               <a:rPr lang="en-US" altLang="ja-JP" sz="800" dirty="0"/>
@@ -5378,6 +5675,9 @@
               <a:rPr lang="ja-JP" altLang="en-US" sz="800" dirty="0"/>
               <a:t>のコードの下に以下のコードを追加してください。</a:t>
             </a:r>
+            <a:br>
+              <a:rPr lang="en-US" altLang="ja-JP" sz="800" dirty="0"/>
+            </a:br>
             <a:br>
               <a:rPr lang="en-US" altLang="ja-JP" sz="800" dirty="0"/>
             </a:br>
@@ -5452,7 +5752,7 @@
         </p:blipFill>
         <p:spPr>
           <a:xfrm>
-            <a:off x="1153179" y="662384"/>
+            <a:off x="749319" y="640397"/>
             <a:ext cx="2352021" cy="612888"/>
           </a:xfrm>
           <a:prstGeom prst="rect">
@@ -5482,7 +5782,7 @@
         </p:blipFill>
         <p:spPr>
           <a:xfrm>
-            <a:off x="1153179" y="1465849"/>
+            <a:off x="749319" y="1466060"/>
             <a:ext cx="2275821" cy="400325"/>
           </a:xfrm>
           <a:prstGeom prst="rect">
@@ -5512,38 +5812,8 @@
         </p:blipFill>
         <p:spPr>
           <a:xfrm>
-            <a:off x="1153180" y="2083262"/>
+            <a:off x="749319" y="2070857"/>
             <a:ext cx="4058900" cy="108010"/>
-          </a:xfrm>
-          <a:prstGeom prst="rect">
-            <a:avLst/>
-          </a:prstGeom>
-        </p:spPr>
-      </p:pic>
-      <p:pic>
-        <p:nvPicPr>
-          <p:cNvPr id="11" name="図 10">
-            <a:extLst>
-              <a:ext uri="{FF2B5EF4-FFF2-40B4-BE49-F238E27FC236}">
-                <a16:creationId xmlns:a16="http://schemas.microsoft.com/office/drawing/2014/main" id="{73F1661F-BD69-C18A-7234-2704B65944E5}"/>
-              </a:ext>
-            </a:extLst>
-          </p:cNvPr>
-          <p:cNvPicPr>
-            <a:picLocks noChangeAspect="1"/>
-          </p:cNvPicPr>
-          <p:nvPr/>
-        </p:nvPicPr>
-        <p:blipFill>
-          <a:blip r:embed="rId5"/>
-          <a:stretch>
-            <a:fillRect/>
-          </a:stretch>
-        </p:blipFill>
-        <p:spPr>
-          <a:xfrm>
-            <a:off x="1153179" y="2449749"/>
-            <a:ext cx="3878664" cy="925911"/>
           </a:xfrm>
           <a:prstGeom prst="rect">
             <a:avLst/>
@@ -5565,14 +5835,14 @@
           <p:nvPr/>
         </p:nvPicPr>
         <p:blipFill>
-          <a:blip r:embed="rId6"/>
+          <a:blip r:embed="rId5"/>
           <a:stretch>
             <a:fillRect/>
           </a:stretch>
         </p:blipFill>
         <p:spPr>
           <a:xfrm>
-            <a:off x="1153179" y="3634137"/>
+            <a:off x="749382" y="3621732"/>
             <a:ext cx="3878664" cy="544569"/>
           </a:xfrm>
           <a:prstGeom prst="rect">
@@ -5595,14 +5865,14 @@
           <p:nvPr/>
         </p:nvPicPr>
         <p:blipFill>
-          <a:blip r:embed="rId7"/>
+          <a:blip r:embed="rId6"/>
           <a:stretch>
             <a:fillRect/>
           </a:stretch>
         </p:blipFill>
         <p:spPr>
           <a:xfrm>
-            <a:off x="1153179" y="4437183"/>
+            <a:off x="749319" y="4424778"/>
             <a:ext cx="1948161" cy="1846257"/>
           </a:xfrm>
           <a:prstGeom prst="rect">
@@ -5625,14 +5895,14 @@
           <p:nvPr/>
         </p:nvPicPr>
         <p:blipFill>
-          <a:blip r:embed="rId8"/>
+          <a:blip r:embed="rId7"/>
           <a:stretch>
             <a:fillRect/>
           </a:stretch>
         </p:blipFill>
         <p:spPr>
           <a:xfrm>
-            <a:off x="1153179" y="6596983"/>
+            <a:off x="749319" y="6577397"/>
             <a:ext cx="3967461" cy="1099833"/>
           </a:xfrm>
           <a:prstGeom prst="rect">
@@ -5642,10 +5912,40 @@
       </p:pic>
       <p:pic>
         <p:nvPicPr>
-          <p:cNvPr id="19" name="図 18">
+          <p:cNvPr id="12" name="図 11">
             <a:extLst>
               <a:ext uri="{FF2B5EF4-FFF2-40B4-BE49-F238E27FC236}">
-                <a16:creationId xmlns:a16="http://schemas.microsoft.com/office/drawing/2014/main" id="{69E8D364-D80B-FFAB-17C1-AA155F41B17A}"/>
+                <a16:creationId xmlns:a16="http://schemas.microsoft.com/office/drawing/2014/main" id="{F8598F77-E69E-8295-CA12-157BB16E938B}"/>
+              </a:ext>
+            </a:extLst>
+          </p:cNvPr>
+          <p:cNvPicPr>
+            <a:picLocks noChangeAspect="1"/>
+          </p:cNvPicPr>
+          <p:nvPr/>
+        </p:nvPicPr>
+        <p:blipFill>
+          <a:blip r:embed="rId8"/>
+          <a:stretch>
+            <a:fillRect/>
+          </a:stretch>
+        </p:blipFill>
+        <p:spPr>
+          <a:xfrm>
+            <a:off x="749319" y="7923040"/>
+            <a:ext cx="5340196" cy="999502"/>
+          </a:xfrm>
+          <a:prstGeom prst="rect">
+            <a:avLst/>
+          </a:prstGeom>
+        </p:spPr>
+      </p:pic>
+      <p:pic>
+        <p:nvPicPr>
+          <p:cNvPr id="16" name="図 15">
+            <a:extLst>
+              <a:ext uri="{FF2B5EF4-FFF2-40B4-BE49-F238E27FC236}">
+                <a16:creationId xmlns:a16="http://schemas.microsoft.com/office/drawing/2014/main" id="{C41B2950-7103-5090-5BEB-4D049440B805}"/>
               </a:ext>
             </a:extLst>
           </p:cNvPr>
@@ -5662,8 +5962,8 @@
         </p:blipFill>
         <p:spPr>
           <a:xfrm>
-            <a:off x="1153179" y="7921050"/>
-            <a:ext cx="5133321" cy="927309"/>
+            <a:off x="749319" y="2445777"/>
+            <a:ext cx="3738375" cy="909044"/>
           </a:xfrm>
           <a:prstGeom prst="rect">
             <a:avLst/>

--- a/shiryo/catch/キャッチゲームを作ろう.pptx
+++ b/shiryo/catch/キャッチゲームを作ろう.pptx
@@ -6,8 +6,9 @@
   </p:sldMasterIdLst>
   <p:sldIdLst>
     <p:sldId id="256" r:id="rId2"/>
-    <p:sldId id="257" r:id="rId3"/>
-    <p:sldId id="258" r:id="rId4"/>
+    <p:sldId id="259" r:id="rId3"/>
+    <p:sldId id="257" r:id="rId4"/>
+    <p:sldId id="258" r:id="rId5"/>
   </p:sldIdLst>
   <p:sldSz cx="6858000" cy="9906000" type="A4"/>
   <p:notesSz cx="6797675" cy="9926638"/>
@@ -245,7 +246,7 @@
           <a:p>
             <a:fld id="{2BD44FD6-1123-4B6C-91D1-86FAC86FA35A}" type="datetimeFigureOut">
               <a:rPr kumimoji="1" lang="ja-JP" altLang="en-US" smtClean="0"/>
-              <a:t>2024/11/27</a:t>
+              <a:t>2024/11/28</a:t>
             </a:fld>
             <a:endParaRPr kumimoji="1" lang="ja-JP" altLang="en-US"/>
           </a:p>
@@ -447,7 +448,7 @@
           <a:p>
             <a:fld id="{2BD44FD6-1123-4B6C-91D1-86FAC86FA35A}" type="datetimeFigureOut">
               <a:rPr kumimoji="1" lang="ja-JP" altLang="en-US" smtClean="0"/>
-              <a:t>2024/11/27</a:t>
+              <a:t>2024/11/28</a:t>
             </a:fld>
             <a:endParaRPr kumimoji="1" lang="ja-JP" altLang="en-US"/>
           </a:p>
@@ -659,7 +660,7 @@
           <a:p>
             <a:fld id="{2BD44FD6-1123-4B6C-91D1-86FAC86FA35A}" type="datetimeFigureOut">
               <a:rPr kumimoji="1" lang="ja-JP" altLang="en-US" smtClean="0"/>
-              <a:t>2024/11/27</a:t>
+              <a:t>2024/11/28</a:t>
             </a:fld>
             <a:endParaRPr kumimoji="1" lang="ja-JP" altLang="en-US"/>
           </a:p>
@@ -861,7 +862,7 @@
           <a:p>
             <a:fld id="{2BD44FD6-1123-4B6C-91D1-86FAC86FA35A}" type="datetimeFigureOut">
               <a:rPr kumimoji="1" lang="ja-JP" altLang="en-US" smtClean="0"/>
-              <a:t>2024/11/27</a:t>
+              <a:t>2024/11/28</a:t>
             </a:fld>
             <a:endParaRPr kumimoji="1" lang="ja-JP" altLang="en-US"/>
           </a:p>
@@ -1107,7 +1108,7 @@
           <a:p>
             <a:fld id="{2BD44FD6-1123-4B6C-91D1-86FAC86FA35A}" type="datetimeFigureOut">
               <a:rPr kumimoji="1" lang="ja-JP" altLang="en-US" smtClean="0"/>
-              <a:t>2024/11/27</a:t>
+              <a:t>2024/11/28</a:t>
             </a:fld>
             <a:endParaRPr kumimoji="1" lang="ja-JP" altLang="en-US"/>
           </a:p>
@@ -1403,7 +1404,7 @@
           <a:p>
             <a:fld id="{2BD44FD6-1123-4B6C-91D1-86FAC86FA35A}" type="datetimeFigureOut">
               <a:rPr kumimoji="1" lang="ja-JP" altLang="en-US" smtClean="0"/>
-              <a:t>2024/11/27</a:t>
+              <a:t>2024/11/28</a:t>
             </a:fld>
             <a:endParaRPr kumimoji="1" lang="ja-JP" altLang="en-US"/>
           </a:p>
@@ -1834,7 +1835,7 @@
           <a:p>
             <a:fld id="{2BD44FD6-1123-4B6C-91D1-86FAC86FA35A}" type="datetimeFigureOut">
               <a:rPr kumimoji="1" lang="ja-JP" altLang="en-US" smtClean="0"/>
-              <a:t>2024/11/27</a:t>
+              <a:t>2024/11/28</a:t>
             </a:fld>
             <a:endParaRPr kumimoji="1" lang="ja-JP" altLang="en-US"/>
           </a:p>
@@ -1952,7 +1953,7 @@
           <a:p>
             <a:fld id="{2BD44FD6-1123-4B6C-91D1-86FAC86FA35A}" type="datetimeFigureOut">
               <a:rPr kumimoji="1" lang="ja-JP" altLang="en-US" smtClean="0"/>
-              <a:t>2024/11/27</a:t>
+              <a:t>2024/11/28</a:t>
             </a:fld>
             <a:endParaRPr kumimoji="1" lang="ja-JP" altLang="en-US"/>
           </a:p>
@@ -2047,7 +2048,7 @@
           <a:p>
             <a:fld id="{2BD44FD6-1123-4B6C-91D1-86FAC86FA35A}" type="datetimeFigureOut">
               <a:rPr kumimoji="1" lang="ja-JP" altLang="en-US" smtClean="0"/>
-              <a:t>2024/11/27</a:t>
+              <a:t>2024/11/28</a:t>
             </a:fld>
             <a:endParaRPr kumimoji="1" lang="ja-JP" altLang="en-US"/>
           </a:p>
@@ -2356,7 +2357,7 @@
           <a:p>
             <a:fld id="{2BD44FD6-1123-4B6C-91D1-86FAC86FA35A}" type="datetimeFigureOut">
               <a:rPr kumimoji="1" lang="ja-JP" altLang="en-US" smtClean="0"/>
-              <a:t>2024/11/27</a:t>
+              <a:t>2024/11/28</a:t>
             </a:fld>
             <a:endParaRPr kumimoji="1" lang="ja-JP" altLang="en-US"/>
           </a:p>
@@ -2613,7 +2614,7 @@
           <a:p>
             <a:fld id="{2BD44FD6-1123-4B6C-91D1-86FAC86FA35A}" type="datetimeFigureOut">
               <a:rPr kumimoji="1" lang="ja-JP" altLang="en-US" smtClean="0"/>
-              <a:t>2024/11/27</a:t>
+              <a:t>2024/11/28</a:t>
             </a:fld>
             <a:endParaRPr kumimoji="1" lang="ja-JP" altLang="en-US"/>
           </a:p>
@@ -2858,7 +2859,7 @@
           <a:p>
             <a:fld id="{2BD44FD6-1123-4B6C-91D1-86FAC86FA35A}" type="datetimeFigureOut">
               <a:rPr kumimoji="1" lang="ja-JP" altLang="en-US" smtClean="0"/>
-              <a:t>2024/11/27</a:t>
+              <a:t>2024/11/28</a:t>
             </a:fld>
             <a:endParaRPr kumimoji="1" lang="ja-JP" altLang="en-US"/>
           </a:p>
@@ -3331,12 +3332,61 @@
               <a:buAutoNum type="arabicPeriod"/>
             </a:pPr>
             <a:r>
-              <a:rPr kumimoji="1" lang="ja-JP" altLang="en-US" sz="1100" dirty="0"/>
-              <a:t>ゲーム</a:t>
-            </a:r>
-            <a:r>
               <a:rPr lang="ja-JP" altLang="en-US" sz="1100" dirty="0"/>
-              <a:t>の概要</a:t>
+              <a:t>はじめに</a:t>
+            </a:r>
+            <a:endParaRPr lang="en-US" altLang="ja-JP" sz="1100" dirty="0"/>
+          </a:p>
+          <a:p>
+            <a:pPr marL="571500" lvl="1" indent="-228600" algn="l">
+              <a:buFont typeface="Arial" panose="020B0604020202020204" pitchFamily="34" charset="0"/>
+              <a:buChar char="•"/>
+            </a:pPr>
+            <a:r>
+              <a:rPr lang="ja-JP" altLang="en-US" sz="800" dirty="0"/>
+              <a:t>この資料に従って順番通りに作業することでキャッチゲームを作ることができます。</a:t>
+            </a:r>
+            <a:endParaRPr lang="en-US" altLang="ja-JP" sz="800" dirty="0"/>
+          </a:p>
+          <a:p>
+            <a:pPr marL="571500" lvl="1" indent="-228600" algn="l">
+              <a:buFont typeface="Arial" panose="020B0604020202020204" pitchFamily="34" charset="0"/>
+              <a:buChar char="•"/>
+            </a:pPr>
+            <a:r>
+              <a:rPr lang="ja-JP" altLang="en-US" sz="800" dirty="0"/>
+              <a:t>資料中の</a:t>
+            </a:r>
+            <a:r>
+              <a:rPr lang="ja-JP" altLang="en-US" sz="800" dirty="0">
+                <a:solidFill>
+                  <a:srgbClr val="FF0000"/>
+                </a:solidFill>
+              </a:rPr>
+              <a:t>赤字</a:t>
+            </a:r>
+            <a:r>
+              <a:rPr lang="ja-JP" altLang="en-US" sz="800" dirty="0"/>
+              <a:t>はその項目のキーワードです。</a:t>
+            </a:r>
+            <a:r>
+              <a:rPr lang="en-US" altLang="ja-JP" sz="800" dirty="0"/>
+              <a:t>Google</a:t>
+            </a:r>
+            <a:r>
+              <a:rPr lang="ja-JP" altLang="en-US" sz="800" dirty="0"/>
+              <a:t>検索などで調べる際に役立ちます。</a:t>
+            </a:r>
+            <a:endParaRPr lang="en-US" altLang="ja-JP" sz="800" dirty="0"/>
+          </a:p>
+          <a:p>
+            <a:pPr marL="228600" indent="-228600" algn="l">
+              <a:buFont typeface="Arial" panose="020B0604020202020204" pitchFamily="34" charset="0"/>
+              <a:buAutoNum type="arabicPeriod"/>
+            </a:pPr>
+            <a:r>
+              <a:rPr lang="ja-JP" altLang="en-US" sz="1100" dirty="0"/>
+              <a:t>ゲームの概要</a:t>
             </a:r>
             <a:endParaRPr lang="en-US" altLang="ja-JP" sz="1100" dirty="0"/>
           </a:p>
@@ -3999,149 +4049,6 @@
             <a:r>
               <a:rPr lang="en-US" altLang="ja-JP" sz="800" dirty="0"/>
               <a:t>“index.html”</a:t>
-            </a:r>
-            <a:r>
-              <a:rPr lang="ja-JP" altLang="en-US" sz="800" dirty="0"/>
-              <a:t>はこれで完成です。</a:t>
-            </a:r>
-            <a:endParaRPr lang="en-US" altLang="ja-JP" sz="800" dirty="0"/>
-          </a:p>
-          <a:p>
-            <a:pPr marL="571500" lvl="1" indent="-228600" algn="l">
-              <a:buFont typeface="Arial" panose="020B0604020202020204" pitchFamily="34" charset="0"/>
-              <a:buAutoNum type="arabicPeriod"/>
-            </a:pPr>
-            <a:endParaRPr lang="en-US" altLang="ja-JP" sz="800" dirty="0"/>
-          </a:p>
-          <a:p>
-            <a:pPr marL="228600" indent="-228600" algn="l">
-              <a:buFont typeface="Arial" panose="020B0604020202020204" pitchFamily="34" charset="0"/>
-              <a:buAutoNum type="arabicPeriod"/>
-            </a:pPr>
-            <a:r>
-              <a:rPr lang="en-US" altLang="ja-JP" sz="1100" dirty="0"/>
-              <a:t>main.css</a:t>
-            </a:r>
-            <a:r>
-              <a:rPr lang="ja-JP" altLang="en-US" sz="1100" dirty="0"/>
-              <a:t>の作成</a:t>
-            </a:r>
-            <a:endParaRPr lang="en-US" altLang="ja-JP" sz="1100" dirty="0"/>
-          </a:p>
-          <a:p>
-            <a:pPr marL="571500" lvl="1" indent="-228600" algn="l">
-              <a:buFont typeface="Arial" panose="020B0604020202020204" pitchFamily="34" charset="0"/>
-              <a:buAutoNum type="arabicPeriod"/>
-            </a:pPr>
-            <a:r>
-              <a:rPr lang="en-US" altLang="ja-JP" sz="800" dirty="0"/>
-              <a:t>“./css/main.css”</a:t>
-            </a:r>
-            <a:r>
-              <a:rPr lang="ja-JP" altLang="en-US" sz="800" dirty="0"/>
-              <a:t>を</a:t>
-            </a:r>
-            <a:r>
-              <a:rPr lang="en-US" altLang="ja-JP" sz="800" dirty="0"/>
-              <a:t>VSCode</a:t>
-            </a:r>
-            <a:r>
-              <a:rPr lang="ja-JP" altLang="en-US" sz="800" dirty="0"/>
-              <a:t>で開いてください。</a:t>
-            </a:r>
-            <a:endParaRPr lang="en-US" altLang="ja-JP" sz="800" dirty="0"/>
-          </a:p>
-          <a:p>
-            <a:pPr marL="571500" lvl="1" indent="-228600" algn="l">
-              <a:buFont typeface="Arial" panose="020B0604020202020204" pitchFamily="34" charset="0"/>
-              <a:buAutoNum type="arabicPeriod"/>
-            </a:pPr>
-            <a:r>
-              <a:rPr lang="ja-JP" altLang="en-US" sz="800" dirty="0"/>
-              <a:t>以下のコードを追加してください。</a:t>
-            </a:r>
-            <a:br>
-              <a:rPr lang="en-US" altLang="ja-JP" sz="800" dirty="0"/>
-            </a:br>
-            <a:br>
-              <a:rPr lang="en-US" altLang="ja-JP" sz="800" dirty="0"/>
-            </a:br>
-            <a:br>
-              <a:rPr lang="en-US" altLang="ja-JP" sz="800" dirty="0"/>
-            </a:br>
-            <a:br>
-              <a:rPr lang="en-US" altLang="ja-JP" sz="800" dirty="0"/>
-            </a:br>
-            <a:br>
-              <a:rPr lang="en-US" altLang="ja-JP" sz="800" dirty="0"/>
-            </a:br>
-            <a:br>
-              <a:rPr lang="en-US" altLang="ja-JP" sz="800" dirty="0"/>
-            </a:br>
-            <a:br>
-              <a:rPr lang="en-US" altLang="ja-JP" sz="800" dirty="0"/>
-            </a:br>
-            <a:br>
-              <a:rPr lang="en-US" altLang="ja-JP" sz="800" dirty="0"/>
-            </a:br>
-            <a:br>
-              <a:rPr lang="en-US" altLang="ja-JP" sz="800" dirty="0"/>
-            </a:br>
-            <a:br>
-              <a:rPr lang="en-US" altLang="ja-JP" sz="800" dirty="0"/>
-            </a:br>
-            <a:br>
-              <a:rPr lang="en-US" altLang="ja-JP" sz="800" dirty="0"/>
-            </a:br>
-            <a:br>
-              <a:rPr lang="en-US" altLang="ja-JP" sz="800" dirty="0"/>
-            </a:br>
-            <a:br>
-              <a:rPr lang="en-US" altLang="ja-JP" sz="800" dirty="0"/>
-            </a:br>
-            <a:br>
-              <a:rPr lang="en-US" altLang="ja-JP" sz="800" dirty="0"/>
-            </a:br>
-            <a:br>
-              <a:rPr lang="en-US" altLang="ja-JP" sz="800" dirty="0"/>
-            </a:br>
-            <a:br>
-              <a:rPr lang="en-US" altLang="ja-JP" sz="800" dirty="0"/>
-            </a:br>
-            <a:br>
-              <a:rPr lang="en-US" altLang="ja-JP" sz="800" dirty="0"/>
-            </a:br>
-            <a:br>
-              <a:rPr lang="en-US" altLang="ja-JP" sz="800" dirty="0"/>
-            </a:br>
-            <a:br>
-              <a:rPr lang="en-US" altLang="ja-JP" sz="800" dirty="0"/>
-            </a:br>
-            <a:br>
-              <a:rPr lang="en-US" altLang="ja-JP" sz="800" dirty="0"/>
-            </a:br>
-            <a:br>
-              <a:rPr lang="en-US" altLang="ja-JP" sz="800" dirty="0"/>
-            </a:br>
-            <a:br>
-              <a:rPr lang="en-US" altLang="ja-JP" sz="800" dirty="0"/>
-            </a:br>
-            <a:br>
-              <a:rPr lang="en-US" altLang="ja-JP" sz="800" dirty="0"/>
-            </a:br>
-            <a:br>
-              <a:rPr lang="en-US" altLang="ja-JP" sz="800" dirty="0"/>
-            </a:br>
-            <a:endParaRPr lang="en-US" altLang="ja-JP" sz="800" dirty="0"/>
-          </a:p>
-          <a:p>
-            <a:pPr marL="571500" lvl="1" indent="-228600" algn="l">
-              <a:buFont typeface="Arial" panose="020B0604020202020204" pitchFamily="34" charset="0"/>
-              <a:buAutoNum type="arabicPeriod"/>
-            </a:pPr>
-            <a:r>
-              <a:rPr lang="en-US" altLang="ja-JP" sz="800" dirty="0"/>
-              <a:t>“main.css”</a:t>
             </a:r>
             <a:r>
               <a:rPr lang="ja-JP" altLang="en-US" sz="800" dirty="0"/>
@@ -4173,7 +4080,7 @@
         </p:blipFill>
         <p:spPr>
           <a:xfrm>
-            <a:off x="845661" y="2725190"/>
+            <a:off x="845661" y="3280273"/>
             <a:ext cx="639741" cy="447371"/>
           </a:xfrm>
           <a:prstGeom prst="rect">
@@ -4203,7 +4110,7 @@
         </p:blipFill>
         <p:spPr>
           <a:xfrm>
-            <a:off x="845661" y="3407099"/>
+            <a:off x="845661" y="3957285"/>
             <a:ext cx="1188879" cy="135100"/>
           </a:xfrm>
           <a:prstGeom prst="rect">
@@ -4233,7 +4140,7 @@
         </p:blipFill>
         <p:spPr>
           <a:xfrm>
-            <a:off x="845661" y="3790953"/>
+            <a:off x="845661" y="4357214"/>
             <a:ext cx="2408079" cy="142946"/>
           </a:xfrm>
           <a:prstGeom prst="rect">
@@ -4263,7 +4170,7 @@
         </p:blipFill>
         <p:spPr>
           <a:xfrm>
-            <a:off x="845661" y="4170570"/>
+            <a:off x="845661" y="4726852"/>
             <a:ext cx="2042319" cy="117375"/>
           </a:xfrm>
           <a:prstGeom prst="rect">
@@ -4293,7 +4200,7 @@
         </p:blipFill>
         <p:spPr>
           <a:xfrm>
-            <a:off x="845661" y="4573023"/>
+            <a:off x="845661" y="5108901"/>
             <a:ext cx="1882299" cy="127026"/>
           </a:xfrm>
           <a:prstGeom prst="rect">
@@ -4323,7 +4230,7 @@
         </p:blipFill>
         <p:spPr>
           <a:xfrm>
-            <a:off x="845661" y="4930802"/>
+            <a:off x="845661" y="5490268"/>
             <a:ext cx="1394630" cy="245150"/>
           </a:xfrm>
           <a:prstGeom prst="rect">
@@ -4353,7 +4260,7 @@
         </p:blipFill>
         <p:spPr>
           <a:xfrm>
-            <a:off x="845661" y="5416323"/>
+            <a:off x="845661" y="5966889"/>
             <a:ext cx="1427533" cy="127026"/>
           </a:xfrm>
           <a:prstGeom prst="rect">
@@ -4383,38 +4290,8 @@
         </p:blipFill>
         <p:spPr>
           <a:xfrm>
-            <a:off x="845661" y="5792266"/>
+            <a:off x="845661" y="6358589"/>
             <a:ext cx="2103279" cy="258600"/>
-          </a:xfrm>
-          <a:prstGeom prst="rect">
-            <a:avLst/>
-          </a:prstGeom>
-        </p:spPr>
-      </p:pic>
-      <p:pic>
-        <p:nvPicPr>
-          <p:cNvPr id="23" name="図 22">
-            <a:extLst>
-              <a:ext uri="{FF2B5EF4-FFF2-40B4-BE49-F238E27FC236}">
-                <a16:creationId xmlns:a16="http://schemas.microsoft.com/office/drawing/2014/main" id="{0EF5D1D1-5C6F-23C4-A4D2-7D4C545C7969}"/>
-              </a:ext>
-            </a:extLst>
-          </p:cNvPr>
-          <p:cNvPicPr>
-            <a:picLocks noChangeAspect="1"/>
-          </p:cNvPicPr>
-          <p:nvPr/>
-        </p:nvPicPr>
-        <p:blipFill>
-          <a:blip r:embed="rId10"/>
-          <a:stretch>
-            <a:fillRect/>
-          </a:stretch>
-        </p:blipFill>
-        <p:spPr>
-          <a:xfrm>
-            <a:off x="845661" y="7079873"/>
-            <a:ext cx="3141662" cy="2366316"/>
           </a:xfrm>
           <a:prstGeom prst="rect">
             <a:avLst/>
@@ -4439,6 +4316,241 @@
   <p:cSld>
     <p:spTree>
       <p:nvGrpSpPr>
+        <p:cNvPr id="1" name="">
+          <a:extLst>
+            <a:ext uri="{FF2B5EF4-FFF2-40B4-BE49-F238E27FC236}">
+              <a16:creationId xmlns:a16="http://schemas.microsoft.com/office/drawing/2014/main" id="{17CB4E20-FBCB-1470-8B93-4749957CF89D}"/>
+            </a:ext>
+          </a:extLst>
+        </p:cNvPr>
+        <p:cNvGrpSpPr/>
+        <p:nvPr/>
+      </p:nvGrpSpPr>
+      <p:grpSpPr>
+        <a:xfrm>
+          <a:off x="0" y="0"/>
+          <a:ext cx="0" cy="0"/>
+          <a:chOff x="0" y="0"/>
+          <a:chExt cx="0" cy="0"/>
+        </a:xfrm>
+      </p:grpSpPr>
+      <p:sp>
+        <p:nvSpPr>
+          <p:cNvPr id="3" name="字幕 2">
+            <a:extLst>
+              <a:ext uri="{FF2B5EF4-FFF2-40B4-BE49-F238E27FC236}">
+                <a16:creationId xmlns:a16="http://schemas.microsoft.com/office/drawing/2014/main" id="{4F616716-7E28-3667-41B5-68575F7063C1}"/>
+              </a:ext>
+            </a:extLst>
+          </p:cNvPr>
+          <p:cNvSpPr>
+            <a:spLocks noGrp="1"/>
+          </p:cNvSpPr>
+          <p:nvPr>
+            <p:ph type="subTitle" idx="1"/>
+          </p:nvPr>
+        </p:nvSpPr>
+        <p:spPr>
+          <a:xfrm>
+            <a:off x="166687" y="644979"/>
+            <a:ext cx="6524625" cy="9163050"/>
+          </a:xfrm>
+        </p:spPr>
+        <p:txBody>
+          <a:bodyPr>
+            <a:normAutofit/>
+          </a:bodyPr>
+          <a:lstStyle/>
+          <a:p>
+            <a:pPr lvl="1" algn="l"/>
+            <a:endParaRPr lang="en-US" altLang="ja-JP" sz="800" dirty="0"/>
+          </a:p>
+          <a:p>
+            <a:pPr marL="228600" indent="-228600" algn="l">
+              <a:buFont typeface="+mj-lt"/>
+              <a:buAutoNum type="arabicPeriod" startAt="5"/>
+            </a:pPr>
+            <a:r>
+              <a:rPr lang="en-US" altLang="ja-JP" sz="1100" dirty="0"/>
+              <a:t>main.css</a:t>
+            </a:r>
+            <a:r>
+              <a:rPr lang="ja-JP" altLang="en-US" sz="1100" dirty="0"/>
+              <a:t>の作成</a:t>
+            </a:r>
+            <a:endParaRPr lang="en-US" altLang="ja-JP" sz="1100" dirty="0"/>
+          </a:p>
+          <a:p>
+            <a:pPr marL="571500" lvl="1" indent="-228600" algn="l">
+              <a:buFont typeface="Arial" panose="020B0604020202020204" pitchFamily="34" charset="0"/>
+              <a:buAutoNum type="arabicPeriod"/>
+            </a:pPr>
+            <a:r>
+              <a:rPr lang="en-US" altLang="ja-JP" sz="800" dirty="0"/>
+              <a:t>“./css/main.css”</a:t>
+            </a:r>
+            <a:r>
+              <a:rPr lang="ja-JP" altLang="en-US" sz="800" dirty="0"/>
+              <a:t>を</a:t>
+            </a:r>
+            <a:r>
+              <a:rPr lang="en-US" altLang="ja-JP" sz="800" dirty="0"/>
+              <a:t>VSCode</a:t>
+            </a:r>
+            <a:r>
+              <a:rPr lang="ja-JP" altLang="en-US" sz="800" dirty="0"/>
+              <a:t>で開いてください。</a:t>
+            </a:r>
+            <a:endParaRPr lang="en-US" altLang="ja-JP" sz="800" dirty="0"/>
+          </a:p>
+          <a:p>
+            <a:pPr marL="571500" lvl="1" indent="-228600" algn="l">
+              <a:buFont typeface="Arial" panose="020B0604020202020204" pitchFamily="34" charset="0"/>
+              <a:buAutoNum type="arabicPeriod"/>
+            </a:pPr>
+            <a:r>
+              <a:rPr lang="ja-JP" altLang="en-US" sz="800" dirty="0"/>
+              <a:t>以下のコードを追加してください。</a:t>
+            </a:r>
+            <a:br>
+              <a:rPr lang="en-US" altLang="ja-JP" sz="800" dirty="0"/>
+            </a:br>
+            <a:br>
+              <a:rPr lang="en-US" altLang="ja-JP" sz="800" dirty="0"/>
+            </a:br>
+            <a:br>
+              <a:rPr lang="en-US" altLang="ja-JP" sz="800" dirty="0"/>
+            </a:br>
+            <a:br>
+              <a:rPr lang="en-US" altLang="ja-JP" sz="800" dirty="0"/>
+            </a:br>
+            <a:br>
+              <a:rPr lang="en-US" altLang="ja-JP" sz="800" dirty="0"/>
+            </a:br>
+            <a:br>
+              <a:rPr lang="en-US" altLang="ja-JP" sz="800" dirty="0"/>
+            </a:br>
+            <a:br>
+              <a:rPr lang="en-US" altLang="ja-JP" sz="800" dirty="0"/>
+            </a:br>
+            <a:br>
+              <a:rPr lang="en-US" altLang="ja-JP" sz="800" dirty="0"/>
+            </a:br>
+            <a:br>
+              <a:rPr lang="en-US" altLang="ja-JP" sz="800" dirty="0"/>
+            </a:br>
+            <a:br>
+              <a:rPr lang="en-US" altLang="ja-JP" sz="800" dirty="0"/>
+            </a:br>
+            <a:br>
+              <a:rPr lang="en-US" altLang="ja-JP" sz="800" dirty="0"/>
+            </a:br>
+            <a:br>
+              <a:rPr lang="en-US" altLang="ja-JP" sz="800" dirty="0"/>
+            </a:br>
+            <a:br>
+              <a:rPr lang="en-US" altLang="ja-JP" sz="800" dirty="0"/>
+            </a:br>
+            <a:br>
+              <a:rPr lang="en-US" altLang="ja-JP" sz="800" dirty="0"/>
+            </a:br>
+            <a:br>
+              <a:rPr lang="en-US" altLang="ja-JP" sz="800" dirty="0"/>
+            </a:br>
+            <a:br>
+              <a:rPr lang="en-US" altLang="ja-JP" sz="800" dirty="0"/>
+            </a:br>
+            <a:br>
+              <a:rPr lang="en-US" altLang="ja-JP" sz="800" dirty="0"/>
+            </a:br>
+            <a:br>
+              <a:rPr lang="en-US" altLang="ja-JP" sz="800" dirty="0"/>
+            </a:br>
+            <a:br>
+              <a:rPr lang="en-US" altLang="ja-JP" sz="800" dirty="0"/>
+            </a:br>
+            <a:br>
+              <a:rPr lang="en-US" altLang="ja-JP" sz="800" dirty="0"/>
+            </a:br>
+            <a:br>
+              <a:rPr lang="en-US" altLang="ja-JP" sz="800" dirty="0"/>
+            </a:br>
+            <a:br>
+              <a:rPr lang="en-US" altLang="ja-JP" sz="800" dirty="0"/>
+            </a:br>
+            <a:br>
+              <a:rPr lang="en-US" altLang="ja-JP" sz="800" dirty="0"/>
+            </a:br>
+            <a:br>
+              <a:rPr lang="en-US" altLang="ja-JP" sz="800" dirty="0"/>
+            </a:br>
+            <a:endParaRPr lang="en-US" altLang="ja-JP" sz="800" dirty="0"/>
+          </a:p>
+          <a:p>
+            <a:pPr marL="571500" lvl="1" indent="-228600" algn="l">
+              <a:buFont typeface="Arial" panose="020B0604020202020204" pitchFamily="34" charset="0"/>
+              <a:buAutoNum type="arabicPeriod"/>
+            </a:pPr>
+            <a:r>
+              <a:rPr lang="en-US" altLang="ja-JP" sz="800" dirty="0"/>
+              <a:t>“main.css”</a:t>
+            </a:r>
+            <a:r>
+              <a:rPr lang="ja-JP" altLang="en-US" sz="800" dirty="0"/>
+              <a:t>はこれで完成です。</a:t>
+            </a:r>
+            <a:endParaRPr lang="en-US" altLang="ja-JP" sz="800" dirty="0"/>
+          </a:p>
+        </p:txBody>
+      </p:sp>
+      <p:pic>
+        <p:nvPicPr>
+          <p:cNvPr id="23" name="図 22">
+            <a:extLst>
+              <a:ext uri="{FF2B5EF4-FFF2-40B4-BE49-F238E27FC236}">
+                <a16:creationId xmlns:a16="http://schemas.microsoft.com/office/drawing/2014/main" id="{34774B96-EE6E-67CA-F6FE-205082AAF8C7}"/>
+              </a:ext>
+            </a:extLst>
+          </p:cNvPr>
+          <p:cNvPicPr>
+            <a:picLocks noChangeAspect="1"/>
+          </p:cNvPicPr>
+          <p:nvPr/>
+        </p:nvPicPr>
+        <p:blipFill>
+          <a:blip r:embed="rId2"/>
+          <a:stretch>
+            <a:fillRect/>
+          </a:stretch>
+        </p:blipFill>
+        <p:spPr>
+          <a:xfrm>
+            <a:off x="828516" y="1507748"/>
+            <a:ext cx="3141662" cy="2366316"/>
+          </a:xfrm>
+          <a:prstGeom prst="rect">
+            <a:avLst/>
+          </a:prstGeom>
+        </p:spPr>
+      </p:pic>
+    </p:spTree>
+    <p:extLst>
+      <p:ext uri="{BB962C8B-B14F-4D97-AF65-F5344CB8AC3E}">
+        <p14:creationId xmlns:p14="http://schemas.microsoft.com/office/powerpoint/2010/main" val="3316118445"/>
+      </p:ext>
+    </p:extLst>
+  </p:cSld>
+  <p:clrMapOvr>
+    <a:masterClrMapping/>
+  </p:clrMapOvr>
+</p:sld>
+</file>
+
+<file path=ppt/slides/slide3.xml><?xml version="1.0" encoding="utf-8"?>
+<p:sld xmlns:a="http://schemas.openxmlformats.org/drawingml/2006/main" xmlns:r="http://schemas.openxmlformats.org/officeDocument/2006/relationships" xmlns:p="http://schemas.openxmlformats.org/presentationml/2006/main">
+  <p:cSld>
+    <p:spTree>
+      <p:nvGrpSpPr>
         <p:cNvPr id="1" name=""/>
         <p:cNvGrpSpPr/>
         <p:nvPr/>
@@ -4481,7 +4593,7 @@
           <a:p>
             <a:pPr marL="228600" indent="-228600">
               <a:buFont typeface="+mj-lt"/>
-              <a:buAutoNum type="arabicPeriod" startAt="5"/>
+              <a:buAutoNum type="arabicPeriod" startAt="6"/>
             </a:pPr>
             <a:r>
               <a:rPr lang="en-US" altLang="ja-JP" sz="1100" dirty="0"/>
@@ -5211,7 +5323,7 @@
 </p:sld>
 </file>
 
-<file path=ppt/slides/slide3.xml><?xml version="1.0" encoding="utf-8"?>
+<file path=ppt/slides/slide4.xml><?xml version="1.0" encoding="utf-8"?>
 <p:sld xmlns:a="http://schemas.openxmlformats.org/drawingml/2006/main" xmlns:r="http://schemas.openxmlformats.org/officeDocument/2006/relationships" xmlns:p="http://schemas.openxmlformats.org/presentationml/2006/main">
   <p:cSld>
     <p:spTree>
@@ -5258,7 +5370,7 @@
           <a:p>
             <a:pPr marL="228600" indent="-228600">
               <a:buFont typeface="+mj-lt"/>
-              <a:buAutoNum type="arabicPeriod" startAt="5"/>
+              <a:buAutoNum type="arabicPeriod" startAt="6"/>
             </a:pPr>
             <a:r>
               <a:rPr lang="en-US" altLang="ja-JP" sz="1100" dirty="0"/>
@@ -5280,7 +5392,15 @@
             </a:pPr>
             <a:r>
               <a:rPr lang="ja-JP" altLang="en-US" sz="800" dirty="0"/>
-              <a:t>等間隔で</a:t>
+              <a:t>等間隔でループさせる処理を</a:t>
+            </a:r>
+            <a:r>
+              <a:rPr lang="en-US" altLang="ja-JP" sz="800" dirty="0">
+                <a:solidFill>
+                  <a:srgbClr val="FF0000"/>
+                </a:solidFill>
+              </a:rPr>
+              <a:t>setInterval</a:t>
             </a:r>
             <a:r>
               <a:rPr lang="ja-JP" altLang="en-US" sz="800" dirty="0">
@@ -5288,11 +5408,11 @@
                   <a:srgbClr val="FF0000"/>
                 </a:solidFill>
               </a:rPr>
-              <a:t>ループ</a:t>
-            </a:r>
-            <a:r>
-              <a:rPr lang="ja-JP" altLang="en-US" sz="800" dirty="0"/>
-              <a:t>させる処理を作成します。以下のコードを</a:t>
+              <a:t>メソッド</a:t>
+            </a:r>
+            <a:r>
+              <a:rPr lang="ja-JP" altLang="en-US" sz="800" dirty="0"/>
+              <a:t>を使用して作成します。以下のコードを</a:t>
             </a:r>
             <a:r>
               <a:rPr lang="en-US" altLang="ja-JP" sz="800" dirty="0"/>
@@ -5372,7 +5492,27 @@
             </a:pPr>
             <a:r>
               <a:rPr lang="ja-JP" altLang="en-US" sz="800" dirty="0"/>
-              <a:t>フルーツを動かす処理を作成します。</a:t>
+              <a:t>フルーツを動かす処理を</a:t>
+            </a:r>
+            <a:r>
+              <a:rPr lang="en-US" altLang="ja-JP" sz="800" dirty="0">
+                <a:solidFill>
+                  <a:srgbClr val="FF0000"/>
+                </a:solidFill>
+              </a:rPr>
+              <a:t>top</a:t>
+            </a:r>
+            <a:r>
+              <a:rPr lang="ja-JP" altLang="en-US" sz="800" dirty="0">
+                <a:solidFill>
+                  <a:srgbClr val="FF0000"/>
+                </a:solidFill>
+              </a:rPr>
+              <a:t>プロパティ</a:t>
+            </a:r>
+            <a:r>
+              <a:rPr lang="ja-JP" altLang="en-US" sz="800" dirty="0"/>
+              <a:t>を使用して作成します。</a:t>
             </a:r>
             <a:r>
               <a:rPr lang="en-US" altLang="ja-JP" sz="800" dirty="0"/>
@@ -5405,90 +5545,7 @@
             </a:pPr>
             <a:r>
               <a:rPr lang="ja-JP" altLang="en-US" sz="800" dirty="0"/>
-              <a:t>キャッチ成功時の処理を作成します。</a:t>
-            </a:r>
-            <a:r>
-              <a:rPr lang="en-US" altLang="ja-JP" sz="800" dirty="0"/>
-              <a:t>11</a:t>
-            </a:r>
-            <a:r>
-              <a:rPr lang="ja-JP" altLang="en-US" sz="800" dirty="0"/>
-              <a:t>のコードの下に以下のコードを追加してください。</a:t>
-            </a:r>
-            <a:br>
-              <a:rPr lang="en-US" altLang="ja-JP" sz="800" dirty="0"/>
-            </a:br>
-            <a:br>
-              <a:rPr lang="en-US" altLang="ja-JP" sz="800" dirty="0"/>
-            </a:br>
-            <a:br>
-              <a:rPr lang="en-US" altLang="ja-JP" sz="800" dirty="0"/>
-            </a:br>
-            <a:br>
-              <a:rPr lang="en-US" altLang="ja-JP" sz="800" dirty="0"/>
-            </a:br>
-            <a:br>
-              <a:rPr lang="en-US" altLang="ja-JP" sz="800" dirty="0"/>
-            </a:br>
-            <a:br>
-              <a:rPr lang="en-US" altLang="ja-JP" sz="800" dirty="0"/>
-            </a:br>
-            <a:br>
-              <a:rPr lang="en-US" altLang="ja-JP" sz="800" dirty="0"/>
-            </a:br>
-            <a:br>
-              <a:rPr lang="en-US" altLang="ja-JP" sz="800" dirty="0"/>
-            </a:br>
-            <a:br>
-              <a:rPr lang="en-US" altLang="ja-JP" sz="800" dirty="0"/>
-            </a:br>
-            <a:endParaRPr lang="en-US" altLang="ja-JP" sz="800" dirty="0"/>
-          </a:p>
-          <a:p>
-            <a:pPr marL="571500" lvl="1" indent="-228600">
-              <a:buFont typeface="+mj-lt"/>
-              <a:buAutoNum type="arabicPeriod" startAt="9"/>
-            </a:pPr>
-            <a:r>
-              <a:rPr lang="ja-JP" altLang="en-US" sz="800" dirty="0"/>
-              <a:t>キャッチ失敗時の処理を作成します。</a:t>
-            </a:r>
-            <a:r>
-              <a:rPr lang="en-US" altLang="ja-JP" sz="800" dirty="0"/>
-              <a:t>12</a:t>
-            </a:r>
-            <a:r>
-              <a:rPr lang="ja-JP" altLang="en-US" sz="800" dirty="0"/>
-              <a:t>のコードの下に以下のコードを追加してください。</a:t>
-            </a:r>
-            <a:br>
-              <a:rPr lang="en-US" altLang="ja-JP" sz="800" dirty="0"/>
-            </a:br>
-            <a:br>
-              <a:rPr lang="en-US" altLang="ja-JP" sz="800" dirty="0"/>
-            </a:br>
-            <a:br>
-              <a:rPr lang="en-US" altLang="ja-JP" sz="800" dirty="0"/>
-            </a:br>
-            <a:br>
-              <a:rPr lang="en-US" altLang="ja-JP" sz="800" dirty="0"/>
-            </a:br>
-            <a:br>
-              <a:rPr lang="en-US" altLang="ja-JP" sz="800" dirty="0"/>
-            </a:br>
-            <a:br>
-              <a:rPr lang="en-US" altLang="ja-JP" sz="800" dirty="0"/>
-            </a:br>
-            <a:endParaRPr lang="en-US" altLang="ja-JP" sz="800" dirty="0"/>
-          </a:p>
-          <a:p>
-            <a:pPr marL="571500" lvl="1" indent="-228600">
-              <a:buFont typeface="+mj-lt"/>
-              <a:buAutoNum type="arabicPeriod" startAt="9"/>
-            </a:pPr>
-            <a:r>
-              <a:rPr lang="ja-JP" altLang="en-US" sz="800" dirty="0"/>
-              <a:t>スコアによってフルーツの種類を変える処理（</a:t>
+              <a:t>キャッチ成功時の処理（</a:t>
             </a:r>
             <a:r>
               <a:rPr lang="ja-JP" altLang="en-US" sz="800" dirty="0">
@@ -5504,39 +5561,12 @@
             </a:r>
             <a:r>
               <a:rPr lang="en-US" altLang="ja-JP" sz="800" dirty="0"/>
-              <a:t>13</a:t>
+              <a:t>11</a:t>
             </a:r>
             <a:r>
               <a:rPr lang="ja-JP" altLang="en-US" sz="800" dirty="0"/>
               <a:t>のコードの下に以下のコードを追加してください。</a:t>
             </a:r>
-            <a:br>
-              <a:rPr lang="en-US" altLang="ja-JP" sz="800" dirty="0"/>
-            </a:br>
-            <a:br>
-              <a:rPr lang="en-US" altLang="ja-JP" sz="800" dirty="0"/>
-            </a:br>
-            <a:br>
-              <a:rPr lang="en-US" altLang="ja-JP" sz="800" dirty="0"/>
-            </a:br>
-            <a:br>
-              <a:rPr lang="en-US" altLang="ja-JP" sz="800" dirty="0"/>
-            </a:br>
-            <a:br>
-              <a:rPr lang="en-US" altLang="ja-JP" sz="800" dirty="0"/>
-            </a:br>
-            <a:br>
-              <a:rPr lang="en-US" altLang="ja-JP" sz="800" dirty="0"/>
-            </a:br>
-            <a:br>
-              <a:rPr lang="en-US" altLang="ja-JP" sz="800" dirty="0"/>
-            </a:br>
-            <a:br>
-              <a:rPr lang="en-US" altLang="ja-JP" sz="800" dirty="0"/>
-            </a:br>
-            <a:br>
-              <a:rPr lang="en-US" altLang="ja-JP" sz="800" dirty="0"/>
-            </a:br>
             <a:br>
               <a:rPr lang="en-US" altLang="ja-JP" sz="800" dirty="0"/>
             </a:br>
@@ -5573,7 +5603,141 @@
             </a:pPr>
             <a:r>
               <a:rPr lang="ja-JP" altLang="en-US" sz="800" dirty="0"/>
-              <a:t>プレイ開始時の処理（</a:t>
+              <a:t>キャッチ失敗時の処理（</a:t>
+            </a:r>
+            <a:r>
+              <a:rPr lang="ja-JP" altLang="en-US" sz="800" dirty="0">
+                <a:solidFill>
+                  <a:srgbClr val="FF0000"/>
+                </a:solidFill>
+              </a:rPr>
+              <a:t>条件分岐</a:t>
+            </a:r>
+            <a:r>
+              <a:rPr lang="ja-JP" altLang="en-US" sz="800" dirty="0"/>
+              <a:t>）を作成します。</a:t>
+            </a:r>
+            <a:r>
+              <a:rPr lang="en-US" altLang="ja-JP" sz="800" dirty="0"/>
+              <a:t>12</a:t>
+            </a:r>
+            <a:r>
+              <a:rPr lang="ja-JP" altLang="en-US" sz="800" dirty="0"/>
+              <a:t>のコードの下に以下のコードを追加してください。</a:t>
+            </a:r>
+            <a:br>
+              <a:rPr lang="en-US" altLang="ja-JP" sz="800" dirty="0"/>
+            </a:br>
+            <a:br>
+              <a:rPr lang="en-US" altLang="ja-JP" sz="800" dirty="0"/>
+            </a:br>
+            <a:br>
+              <a:rPr lang="en-US" altLang="ja-JP" sz="800" dirty="0"/>
+            </a:br>
+            <a:br>
+              <a:rPr lang="en-US" altLang="ja-JP" sz="800" dirty="0"/>
+            </a:br>
+            <a:br>
+              <a:rPr lang="en-US" altLang="ja-JP" sz="800" dirty="0"/>
+            </a:br>
+            <a:br>
+              <a:rPr lang="en-US" altLang="ja-JP" sz="800" dirty="0"/>
+            </a:br>
+            <a:endParaRPr lang="en-US" altLang="ja-JP" sz="800" dirty="0"/>
+          </a:p>
+          <a:p>
+            <a:pPr marL="571500" lvl="1" indent="-228600">
+              <a:buFont typeface="+mj-lt"/>
+              <a:buAutoNum type="arabicPeriod" startAt="9"/>
+            </a:pPr>
+            <a:r>
+              <a:rPr lang="ja-JP" altLang="en-US" sz="800" dirty="0"/>
+              <a:t>スコアによってフルーツの種類を変える処理（</a:t>
+            </a:r>
+            <a:r>
+              <a:rPr lang="ja-JP" altLang="en-US" sz="800" dirty="0">
+                <a:solidFill>
+                  <a:srgbClr val="FF0000"/>
+                </a:solidFill>
+              </a:rPr>
+              <a:t>条件分岐</a:t>
+            </a:r>
+            <a:r>
+              <a:rPr lang="ja-JP" altLang="en-US" sz="800" dirty="0"/>
+              <a:t>）を作成します。</a:t>
+            </a:r>
+            <a:r>
+              <a:rPr lang="en-US" altLang="ja-JP" sz="800" dirty="0"/>
+              <a:t>13</a:t>
+            </a:r>
+            <a:r>
+              <a:rPr lang="ja-JP" altLang="en-US" sz="800" dirty="0"/>
+              <a:t>のコードの下に以下のコードを追加してください。</a:t>
+            </a:r>
+            <a:br>
+              <a:rPr lang="en-US" altLang="ja-JP" sz="800" dirty="0"/>
+            </a:br>
+            <a:br>
+              <a:rPr lang="en-US" altLang="ja-JP" sz="800" dirty="0"/>
+            </a:br>
+            <a:br>
+              <a:rPr lang="en-US" altLang="ja-JP" sz="800" dirty="0"/>
+            </a:br>
+            <a:br>
+              <a:rPr lang="en-US" altLang="ja-JP" sz="800" dirty="0"/>
+            </a:br>
+            <a:br>
+              <a:rPr lang="en-US" altLang="ja-JP" sz="800" dirty="0"/>
+            </a:br>
+            <a:br>
+              <a:rPr lang="en-US" altLang="ja-JP" sz="800" dirty="0"/>
+            </a:br>
+            <a:br>
+              <a:rPr lang="en-US" altLang="ja-JP" sz="800" dirty="0"/>
+            </a:br>
+            <a:br>
+              <a:rPr lang="en-US" altLang="ja-JP" sz="800" dirty="0"/>
+            </a:br>
+            <a:br>
+              <a:rPr lang="en-US" altLang="ja-JP" sz="800" dirty="0"/>
+            </a:br>
+            <a:br>
+              <a:rPr lang="en-US" altLang="ja-JP" sz="800" dirty="0"/>
+            </a:br>
+            <a:br>
+              <a:rPr lang="en-US" altLang="ja-JP" sz="800" dirty="0"/>
+            </a:br>
+            <a:br>
+              <a:rPr lang="en-US" altLang="ja-JP" sz="800" dirty="0"/>
+            </a:br>
+            <a:br>
+              <a:rPr lang="en-US" altLang="ja-JP" sz="800" dirty="0"/>
+            </a:br>
+            <a:br>
+              <a:rPr lang="en-US" altLang="ja-JP" sz="800" dirty="0"/>
+            </a:br>
+            <a:br>
+              <a:rPr lang="en-US" altLang="ja-JP" sz="800" dirty="0"/>
+            </a:br>
+            <a:br>
+              <a:rPr lang="en-US" altLang="ja-JP" sz="800" dirty="0"/>
+            </a:br>
+            <a:br>
+              <a:rPr lang="en-US" altLang="ja-JP" sz="800" dirty="0"/>
+            </a:br>
+            <a:br>
+              <a:rPr lang="en-US" altLang="ja-JP" sz="800" dirty="0"/>
+            </a:br>
+            <a:endParaRPr lang="en-US" altLang="ja-JP" sz="800" dirty="0"/>
+          </a:p>
+          <a:p>
+            <a:pPr marL="571500" lvl="1" indent="-228600">
+              <a:buFont typeface="+mj-lt"/>
+              <a:buAutoNum type="arabicPeriod" startAt="9"/>
+            </a:pPr>
+            <a:r>
+              <a:rPr lang="ja-JP" altLang="en-US" sz="800" dirty="0"/>
+              <a:t>プレイ開始時の処理を</a:t>
             </a:r>
             <a:r>
               <a:rPr lang="en-US" altLang="ja-JP" sz="800" dirty="0">
@@ -5593,7 +5757,7 @@
             </a:r>
             <a:r>
               <a:rPr lang="ja-JP" altLang="en-US" sz="800" dirty="0"/>
-              <a:t>）を作成します。</a:t>
+              <a:t>を使用して作成します。</a:t>
             </a:r>
             <a:r>
               <a:rPr lang="en-US" altLang="ja-JP" sz="800" dirty="0"/>
@@ -5645,7 +5809,7 @@
             </a:pPr>
             <a:r>
               <a:rPr lang="ja-JP" altLang="en-US" sz="800" dirty="0"/>
-              <a:t>ドッティを動かす処理（</a:t>
+              <a:t>ドッティを動かす処理を</a:t>
             </a:r>
             <a:r>
               <a:rPr lang="en-US" altLang="ja-JP" sz="800" dirty="0">
@@ -5665,7 +5829,7 @@
             </a:r>
             <a:r>
               <a:rPr lang="ja-JP" altLang="en-US" sz="800" dirty="0"/>
-              <a:t>）を作成します。</a:t>
+              <a:t>を使用して作成します。</a:t>
             </a:r>
             <a:r>
               <a:rPr lang="en-US" altLang="ja-JP" sz="800" dirty="0"/>

--- a/shiryo/catch/キャッチゲームを作ろう.pptx
+++ b/shiryo/catch/キャッチゲームを作ろう.pptx
@@ -246,7 +246,7 @@
           <a:p>
             <a:fld id="{2BD44FD6-1123-4B6C-91D1-86FAC86FA35A}" type="datetimeFigureOut">
               <a:rPr kumimoji="1" lang="ja-JP" altLang="en-US" smtClean="0"/>
-              <a:t>2024/11/28</a:t>
+              <a:t>2024/12/2</a:t>
             </a:fld>
             <a:endParaRPr kumimoji="1" lang="ja-JP" altLang="en-US"/>
           </a:p>
@@ -448,7 +448,7 @@
           <a:p>
             <a:fld id="{2BD44FD6-1123-4B6C-91D1-86FAC86FA35A}" type="datetimeFigureOut">
               <a:rPr kumimoji="1" lang="ja-JP" altLang="en-US" smtClean="0"/>
-              <a:t>2024/11/28</a:t>
+              <a:t>2024/12/2</a:t>
             </a:fld>
             <a:endParaRPr kumimoji="1" lang="ja-JP" altLang="en-US"/>
           </a:p>
@@ -660,7 +660,7 @@
           <a:p>
             <a:fld id="{2BD44FD6-1123-4B6C-91D1-86FAC86FA35A}" type="datetimeFigureOut">
               <a:rPr kumimoji="1" lang="ja-JP" altLang="en-US" smtClean="0"/>
-              <a:t>2024/11/28</a:t>
+              <a:t>2024/12/2</a:t>
             </a:fld>
             <a:endParaRPr kumimoji="1" lang="ja-JP" altLang="en-US"/>
           </a:p>
@@ -862,7 +862,7 @@
           <a:p>
             <a:fld id="{2BD44FD6-1123-4B6C-91D1-86FAC86FA35A}" type="datetimeFigureOut">
               <a:rPr kumimoji="1" lang="ja-JP" altLang="en-US" smtClean="0"/>
-              <a:t>2024/11/28</a:t>
+              <a:t>2024/12/2</a:t>
             </a:fld>
             <a:endParaRPr kumimoji="1" lang="ja-JP" altLang="en-US"/>
           </a:p>
@@ -1108,7 +1108,7 @@
           <a:p>
             <a:fld id="{2BD44FD6-1123-4B6C-91D1-86FAC86FA35A}" type="datetimeFigureOut">
               <a:rPr kumimoji="1" lang="ja-JP" altLang="en-US" smtClean="0"/>
-              <a:t>2024/11/28</a:t>
+              <a:t>2024/12/2</a:t>
             </a:fld>
             <a:endParaRPr kumimoji="1" lang="ja-JP" altLang="en-US"/>
           </a:p>
@@ -1404,7 +1404,7 @@
           <a:p>
             <a:fld id="{2BD44FD6-1123-4B6C-91D1-86FAC86FA35A}" type="datetimeFigureOut">
               <a:rPr kumimoji="1" lang="ja-JP" altLang="en-US" smtClean="0"/>
-              <a:t>2024/11/28</a:t>
+              <a:t>2024/12/2</a:t>
             </a:fld>
             <a:endParaRPr kumimoji="1" lang="ja-JP" altLang="en-US"/>
           </a:p>
@@ -1835,7 +1835,7 @@
           <a:p>
             <a:fld id="{2BD44FD6-1123-4B6C-91D1-86FAC86FA35A}" type="datetimeFigureOut">
               <a:rPr kumimoji="1" lang="ja-JP" altLang="en-US" smtClean="0"/>
-              <a:t>2024/11/28</a:t>
+              <a:t>2024/12/2</a:t>
             </a:fld>
             <a:endParaRPr kumimoji="1" lang="ja-JP" altLang="en-US"/>
           </a:p>
@@ -1953,7 +1953,7 @@
           <a:p>
             <a:fld id="{2BD44FD6-1123-4B6C-91D1-86FAC86FA35A}" type="datetimeFigureOut">
               <a:rPr kumimoji="1" lang="ja-JP" altLang="en-US" smtClean="0"/>
-              <a:t>2024/11/28</a:t>
+              <a:t>2024/12/2</a:t>
             </a:fld>
             <a:endParaRPr kumimoji="1" lang="ja-JP" altLang="en-US"/>
           </a:p>
@@ -2048,7 +2048,7 @@
           <a:p>
             <a:fld id="{2BD44FD6-1123-4B6C-91D1-86FAC86FA35A}" type="datetimeFigureOut">
               <a:rPr kumimoji="1" lang="ja-JP" altLang="en-US" smtClean="0"/>
-              <a:t>2024/11/28</a:t>
+              <a:t>2024/12/2</a:t>
             </a:fld>
             <a:endParaRPr kumimoji="1" lang="ja-JP" altLang="en-US"/>
           </a:p>
@@ -2357,7 +2357,7 @@
           <a:p>
             <a:fld id="{2BD44FD6-1123-4B6C-91D1-86FAC86FA35A}" type="datetimeFigureOut">
               <a:rPr kumimoji="1" lang="ja-JP" altLang="en-US" smtClean="0"/>
-              <a:t>2024/11/28</a:t>
+              <a:t>2024/12/2</a:t>
             </a:fld>
             <a:endParaRPr kumimoji="1" lang="ja-JP" altLang="en-US"/>
           </a:p>
@@ -2614,7 +2614,7 @@
           <a:p>
             <a:fld id="{2BD44FD6-1123-4B6C-91D1-86FAC86FA35A}" type="datetimeFigureOut">
               <a:rPr kumimoji="1" lang="ja-JP" altLang="en-US" smtClean="0"/>
-              <a:t>2024/11/28</a:t>
+              <a:t>2024/12/2</a:t>
             </a:fld>
             <a:endParaRPr kumimoji="1" lang="ja-JP" altLang="en-US"/>
           </a:p>
@@ -2859,7 +2859,7 @@
           <a:p>
             <a:fld id="{2BD44FD6-1123-4B6C-91D1-86FAC86FA35A}" type="datetimeFigureOut">
               <a:rPr kumimoji="1" lang="ja-JP" altLang="en-US" smtClean="0"/>
-              <a:t>2024/11/28</a:t>
+              <a:t>2024/12/2</a:t>
             </a:fld>
             <a:endParaRPr kumimoji="1" lang="ja-JP" altLang="en-US"/>
           </a:p>
@@ -5132,36 +5132,6 @@
       </p:pic>
       <p:pic>
         <p:nvPicPr>
-          <p:cNvPr id="9" name="図 8">
-            <a:extLst>
-              <a:ext uri="{FF2B5EF4-FFF2-40B4-BE49-F238E27FC236}">
-                <a16:creationId xmlns:a16="http://schemas.microsoft.com/office/drawing/2014/main" id="{FD2CE5BA-5142-1F09-E98C-531A9FB5D847}"/>
-              </a:ext>
-            </a:extLst>
-          </p:cNvPr>
-          <p:cNvPicPr>
-            <a:picLocks noChangeAspect="1"/>
-          </p:cNvPicPr>
-          <p:nvPr/>
-        </p:nvPicPr>
-        <p:blipFill>
-          <a:blip r:embed="rId4"/>
-          <a:stretch>
-            <a:fillRect/>
-          </a:stretch>
-        </p:blipFill>
-        <p:spPr>
-          <a:xfrm>
-            <a:off x="991291" y="3238793"/>
-            <a:ext cx="4387326" cy="1904797"/>
-          </a:xfrm>
-          <a:prstGeom prst="rect">
-            <a:avLst/>
-          </a:prstGeom>
-        </p:spPr>
-      </p:pic>
-      <p:pic>
-        <p:nvPicPr>
           <p:cNvPr id="11" name="図 10">
             <a:extLst>
               <a:ext uri="{FF2B5EF4-FFF2-40B4-BE49-F238E27FC236}">
@@ -5175,7 +5145,7 @@
           <p:nvPr/>
         </p:nvPicPr>
         <p:blipFill>
-          <a:blip r:embed="rId5"/>
+          <a:blip r:embed="rId4"/>
           <a:stretch>
             <a:fillRect/>
           </a:stretch>
@@ -5205,7 +5175,7 @@
           <p:nvPr/>
         </p:nvPicPr>
         <p:blipFill>
-          <a:blip r:embed="rId6"/>
+          <a:blip r:embed="rId5"/>
           <a:stretch>
             <a:fillRect/>
           </a:stretch>
@@ -5235,7 +5205,7 @@
           <p:nvPr/>
         </p:nvPicPr>
         <p:blipFill>
-          <a:blip r:embed="rId7"/>
+          <a:blip r:embed="rId6"/>
           <a:stretch>
             <a:fillRect/>
           </a:stretch>
@@ -5265,7 +5235,7 @@
           <p:nvPr/>
         </p:nvPicPr>
         <p:blipFill>
-          <a:blip r:embed="rId8"/>
+          <a:blip r:embed="rId7"/>
           <a:stretch>
             <a:fillRect/>
           </a:stretch>
@@ -5295,7 +5265,7 @@
           <p:nvPr/>
         </p:nvPicPr>
         <p:blipFill>
-          <a:blip r:embed="rId9"/>
+          <a:blip r:embed="rId8"/>
           <a:stretch>
             <a:fillRect/>
           </a:stretch>
@@ -5304,6 +5274,36 @@
           <a:xfrm>
             <a:off x="986545" y="7428623"/>
             <a:ext cx="3826866" cy="405266"/>
+          </a:xfrm>
+          <a:prstGeom prst="rect">
+            <a:avLst/>
+          </a:prstGeom>
+        </p:spPr>
+      </p:pic>
+      <p:pic>
+        <p:nvPicPr>
+          <p:cNvPr id="4" name="図 3">
+            <a:extLst>
+              <a:ext uri="{FF2B5EF4-FFF2-40B4-BE49-F238E27FC236}">
+                <a16:creationId xmlns:a16="http://schemas.microsoft.com/office/drawing/2014/main" id="{35035E35-35A7-D8EE-1A40-0ABC789CF05B}"/>
+              </a:ext>
+            </a:extLst>
+          </p:cNvPr>
+          <p:cNvPicPr>
+            <a:picLocks noChangeAspect="1"/>
+          </p:cNvPicPr>
+          <p:nvPr/>
+        </p:nvPicPr>
+        <p:blipFill>
+          <a:blip r:embed="rId9"/>
+          <a:stretch>
+            <a:fillRect/>
+          </a:stretch>
+        </p:blipFill>
+        <p:spPr>
+          <a:xfrm>
+            <a:off x="986545" y="3249699"/>
+            <a:ext cx="4504603" cy="1951601"/>
           </a:xfrm>
           <a:prstGeom prst="rect">
             <a:avLst/>
